--- a/Slides/Lesson 2.3 Design Patterns.pptx
+++ b/Slides/Lesson 2.3 Design Patterns.pptx
@@ -5,12 +5,12 @@
     <p:sldMasterId id="2147483648" r:id="rId1"/>
   </p:sldMasterIdLst>
   <p:notesMasterIdLst>
-    <p:notesMasterId r:id="rId24"/>
+    <p:notesMasterId r:id="rId23"/>
   </p:notesMasterIdLst>
   <p:sldIdLst>
     <p:sldId id="256" r:id="rId2"/>
-    <p:sldId id="302" r:id="rId3"/>
-    <p:sldId id="377" r:id="rId4"/>
+    <p:sldId id="377" r:id="rId3"/>
+    <p:sldId id="302" r:id="rId4"/>
     <p:sldId id="378" r:id="rId5"/>
     <p:sldId id="379" r:id="rId6"/>
     <p:sldId id="380" r:id="rId7"/>
@@ -23,41 +23,40 @@
     <p:sldId id="386" r:id="rId14"/>
     <p:sldId id="387" r:id="rId15"/>
     <p:sldId id="388" r:id="rId16"/>
-    <p:sldId id="389" r:id="rId17"/>
-    <p:sldId id="392" r:id="rId18"/>
-    <p:sldId id="394" r:id="rId19"/>
-    <p:sldId id="393" r:id="rId20"/>
-    <p:sldId id="395" r:id="rId21"/>
-    <p:sldId id="376" r:id="rId22"/>
-    <p:sldId id="298" r:id="rId23"/>
+    <p:sldId id="392" r:id="rId17"/>
+    <p:sldId id="394" r:id="rId18"/>
+    <p:sldId id="393" r:id="rId19"/>
+    <p:sldId id="395" r:id="rId20"/>
+    <p:sldId id="376" r:id="rId21"/>
+    <p:sldId id="298" r:id="rId22"/>
   </p:sldIdLst>
   <p:sldSz cx="12192000" cy="6858000"/>
   <p:notesSz cx="6858000" cy="9144000"/>
   <p:embeddedFontLst>
     <p:embeddedFont>
       <p:font typeface="Calibri" panose="020F0502020204030204" pitchFamily="34" charset="0"/>
-      <p:regular r:id="rId25"/>
-      <p:bold r:id="rId26"/>
-      <p:italic r:id="rId27"/>
-      <p:boldItalic r:id="rId28"/>
+      <p:regular r:id="rId24"/>
+      <p:bold r:id="rId25"/>
+      <p:italic r:id="rId26"/>
+      <p:boldItalic r:id="rId27"/>
     </p:embeddedFont>
     <p:embeddedFont>
       <p:font typeface="Consolas" panose="020B0609020204030204" pitchFamily="49" charset="0"/>
-      <p:regular r:id="rId29"/>
-      <p:bold r:id="rId30"/>
-      <p:italic r:id="rId31"/>
-      <p:boldItalic r:id="rId32"/>
+      <p:regular r:id="rId28"/>
+      <p:bold r:id="rId29"/>
+      <p:italic r:id="rId30"/>
+      <p:boldItalic r:id="rId31"/>
     </p:embeddedFont>
     <p:embeddedFont>
       <p:font typeface="Ink Free" panose="03080402000500000000" pitchFamily="66" charset="0"/>
-      <p:regular r:id="rId33"/>
+      <p:regular r:id="rId32"/>
     </p:embeddedFont>
     <p:embeddedFont>
       <p:font typeface="Verdana" panose="020B0604030504040204" pitchFamily="34" charset="0"/>
-      <p:regular r:id="rId34"/>
-      <p:bold r:id="rId35"/>
-      <p:italic r:id="rId36"/>
-      <p:boldItalic r:id="rId37"/>
+      <p:regular r:id="rId33"/>
+      <p:bold r:id="rId34"/>
+      <p:italic r:id="rId35"/>
+      <p:boldItalic r:id="rId36"/>
     </p:embeddedFont>
   </p:embeddedFontLst>
   <p:defaultTextStyle>
@@ -245,7 +244,7 @@
           <a:p>
             <a:fld id="{7C7E5181-6CF5-45F7-A87A-E0E0B1FD7549}" type="datetimeFigureOut">
               <a:rPr lang="en-US" smtClean="0"/>
-              <a:t>1/23/2021</a:t>
+              <a:t>1/24/2021</a:t>
             </a:fld>
             <a:endParaRPr lang="en-US"/>
           </a:p>
@@ -666,7 +665,7 @@
           <a:p>
             <a:fld id="{5D2A64DE-480B-420F-9649-4F8E696E08E0}" type="datetime1">
               <a:rPr lang="en-US" smtClean="0"/>
-              <a:t>1/23/2021</a:t>
+              <a:t>1/24/2021</a:t>
             </a:fld>
             <a:endParaRPr lang="en-US"/>
           </a:p>
@@ -900,7 +899,7 @@
           <a:p>
             <a:fld id="{0D3616D0-8311-4107-9726-6B805E7D05BA}" type="datetime1">
               <a:rPr lang="en-US" smtClean="0"/>
-              <a:t>1/23/2021</a:t>
+              <a:t>1/24/2021</a:t>
             </a:fld>
             <a:endParaRPr lang="en-US"/>
           </a:p>
@@ -1108,7 +1107,7 @@
           <a:p>
             <a:fld id="{3BC2557A-5C88-417A-A763-5AC779462A5F}" type="datetime1">
               <a:rPr lang="en-US" smtClean="0"/>
-              <a:t>1/23/2021</a:t>
+              <a:t>1/24/2021</a:t>
             </a:fld>
             <a:endParaRPr lang="en-US"/>
           </a:p>
@@ -1632,7 +1631,7 @@
           <a:p>
             <a:fld id="{07C7BFD4-467E-4EDE-93EA-052F5B39A4E5}" type="datetime1">
               <a:rPr lang="en-US" smtClean="0"/>
-              <a:t>1/23/2021</a:t>
+              <a:t>1/24/2021</a:t>
             </a:fld>
             <a:endParaRPr lang="en-US"/>
           </a:p>
@@ -1945,7 +1944,7 @@
           <a:p>
             <a:fld id="{A533CBE2-D5BE-47AC-ADC2-9CDFC1D0CF90}" type="datetime1">
               <a:rPr lang="en-US" smtClean="0"/>
-              <a:t>1/23/2021</a:t>
+              <a:t>1/24/2021</a:t>
             </a:fld>
             <a:endParaRPr lang="en-US"/>
           </a:p>
@@ -2246,7 +2245,7 @@
           <a:p>
             <a:fld id="{39B7EDB1-CE74-4951-85A2-0B01C2128E28}" type="datetime1">
               <a:rPr lang="en-US" smtClean="0"/>
-              <a:t>1/23/2021</a:t>
+              <a:t>1/24/2021</a:t>
             </a:fld>
             <a:endParaRPr lang="en-US"/>
           </a:p>
@@ -2694,7 +2693,7 @@
           <a:p>
             <a:fld id="{2BC7EB92-A5C2-4807-A9DC-9EDE6CBFB241}" type="datetime1">
               <a:rPr lang="en-US" smtClean="0"/>
-              <a:t>1/23/2021</a:t>
+              <a:t>1/24/2021</a:t>
             </a:fld>
             <a:endParaRPr lang="en-US"/>
           </a:p>
@@ -2840,7 +2839,7 @@
           <a:p>
             <a:fld id="{109E55A0-C911-4F03-82FC-7E5926047D46}" type="datetime1">
               <a:rPr lang="en-US" smtClean="0"/>
-              <a:t>1/23/2021</a:t>
+              <a:t>1/24/2021</a:t>
             </a:fld>
             <a:endParaRPr lang="en-US"/>
           </a:p>
@@ -2989,7 +2988,7 @@
           <a:p>
             <a:fld id="{2B7B7EE0-7771-4CD5-9B2B-3550753A54A1}" type="datetime1">
               <a:rPr lang="en-US" smtClean="0"/>
-              <a:t>1/23/2021</a:t>
+              <a:t>1/24/2021</a:t>
             </a:fld>
             <a:endParaRPr lang="en-US"/>
           </a:p>
@@ -3300,7 +3299,7 @@
           <a:p>
             <a:fld id="{F8B318B3-0E87-4416-A9B8-D891968C2727}" type="datetime1">
               <a:rPr lang="en-US" smtClean="0"/>
-              <a:t>1/23/2021</a:t>
+              <a:t>1/24/2021</a:t>
             </a:fld>
             <a:endParaRPr lang="en-US"/>
           </a:p>
@@ -3588,7 +3587,7 @@
           <a:p>
             <a:fld id="{EA476A42-A091-4468-A075-64A31BE59948}" type="datetime1">
               <a:rPr lang="en-US" smtClean="0"/>
-              <a:t>1/23/2021</a:t>
+              <a:t>1/24/2021</a:t>
             </a:fld>
             <a:endParaRPr lang="en-US"/>
           </a:p>
@@ -3829,7 +3828,7 @@
           <a:p>
             <a:fld id="{54D997E8-DDEE-43F1-8D9B-F8A1E11DE488}" type="datetime1">
               <a:rPr lang="en-US" smtClean="0"/>
-              <a:t>1/23/2021</a:t>
+              <a:t>1/24/2021</a:t>
             </a:fld>
             <a:endParaRPr lang="en-US"/>
           </a:p>
@@ -4394,6 +4393,78 @@
           </a:p>
         </p:txBody>
       </p:sp>
+      <p:sp>
+        <p:nvSpPr>
+          <p:cNvPr id="5" name="Rectangle 4">
+            <a:extLst>
+              <a:ext uri="{FF2B5EF4-FFF2-40B4-BE49-F238E27FC236}">
+                <a16:creationId xmlns:a16="http://schemas.microsoft.com/office/drawing/2014/main" id="{DBE47AC8-18EA-4F87-B993-3E644D7974B2}"/>
+              </a:ext>
+            </a:extLst>
+          </p:cNvPr>
+          <p:cNvSpPr/>
+          <p:nvPr/>
+        </p:nvSpPr>
+        <p:spPr>
+          <a:xfrm>
+            <a:off x="705730" y="5869671"/>
+            <a:ext cx="6096000" cy="646331"/>
+          </a:xfrm>
+          <a:prstGeom prst="rect">
+            <a:avLst/>
+          </a:prstGeom>
+        </p:spPr>
+        <p:txBody>
+          <a:bodyPr>
+            <a:spAutoFit/>
+          </a:bodyPr>
+          <a:lstStyle/>
+          <a:p>
+            <a:r>
+              <a:rPr lang="en-US" dirty="0">
+                <a:solidFill>
+                  <a:srgbClr val="5C5962"/>
+                </a:solidFill>
+              </a:rPr>
+              <a:t>© 2021 Jonathan Bell, John </a:t>
+            </a:r>
+            <a:r>
+              <a:rPr lang="en-US" dirty="0" err="1">
+                <a:solidFill>
+                  <a:srgbClr val="5C5962"/>
+                </a:solidFill>
+              </a:rPr>
+              <a:t>Boyland</a:t>
+            </a:r>
+            <a:r>
+              <a:rPr lang="en-US" dirty="0">
+                <a:solidFill>
+                  <a:srgbClr val="5C5962"/>
+                </a:solidFill>
+              </a:rPr>
+              <a:t> and Mitch Wand. Released under the </a:t>
+            </a:r>
+            <a:r>
+              <a:rPr lang="en-US" dirty="0">
+                <a:solidFill>
+                  <a:srgbClr val="D41B2C"/>
+                </a:solidFill>
+                <a:hlinkClick r:id="rId2"/>
+              </a:rPr>
+              <a:t>CC BY-SA</a:t>
+            </a:r>
+            <a:r>
+              <a:rPr lang="en-US" dirty="0">
+                <a:solidFill>
+                  <a:srgbClr val="5C5962"/>
+                </a:solidFill>
+              </a:rPr>
+              <a:t> license</a:t>
+            </a:r>
+            <a:endParaRPr lang="en-US" dirty="0"/>
+          </a:p>
+        </p:txBody>
+      </p:sp>
     </p:spTree>
     <p:extLst>
       <p:ext uri="{BB962C8B-B14F-4D97-AF65-F5344CB8AC3E}">
@@ -4734,7 +4805,7 @@
           <a:p>
             <a:r>
               <a:rPr lang="en-US" dirty="0"/>
-              <a:t>Problem:</a:t>
+              <a:t>Problem #1:</a:t>
             </a:r>
           </a:p>
         </p:txBody>
@@ -4777,7 +4848,15 @@
           <a:p>
             <a:r>
               <a:rPr lang="en-US" dirty="0"/>
-              <a:t>But we have a class List that implements </a:t>
+              <a:t>But we have a class </a:t>
+            </a:r>
+            <a:r>
+              <a:rPr lang="en-US" b="1" dirty="0"/>
+              <a:t>List</a:t>
+            </a:r>
+            <a:r>
+              <a:rPr lang="en-US" dirty="0"/>
+              <a:t> that implements </a:t>
             </a:r>
             <a:r>
               <a:rPr lang="en-US" b="1" dirty="0" err="1"/>
@@ -5278,7 +5357,7 @@
                                       <p:cBhvr>
                                         <p:cTn id="6" dur="1" fill="hold">
                                           <p:stCondLst>
-                                            <p:cond delay="999"/>
+                                            <p:cond delay="9"/>
                                           </p:stCondLst>
                                         </p:cTn>
                                         <p:tgtEl>
@@ -6056,7 +6135,7 @@
                                       <p:cBhvr>
                                         <p:cTn id="6" dur="1" fill="hold">
                                           <p:stCondLst>
-                                            <p:cond delay="999"/>
+                                            <p:cond delay="9"/>
                                           </p:stCondLst>
                                         </p:cTn>
                                         <p:tgtEl>
@@ -6147,7 +6226,7 @@
           <a:p>
             <a:r>
               <a:rPr lang="en-US" dirty="0"/>
-              <a:t>Problem: </a:t>
+              <a:t>Problem #2: </a:t>
             </a:r>
           </a:p>
         </p:txBody>
@@ -6421,41 +6500,6 @@
           </a:p>
         </p:txBody>
       </p:sp>
-      <p:pic>
-        <p:nvPicPr>
-          <p:cNvPr id="18" name="Content Placeholder 17" descr="Diagram&#10;&#10;Description automatically generated">
-            <a:extLst>
-              <a:ext uri="{FF2B5EF4-FFF2-40B4-BE49-F238E27FC236}">
-                <a16:creationId xmlns:a16="http://schemas.microsoft.com/office/drawing/2014/main" id="{93ACE29A-2853-4D7E-BB9A-ECCEC1C2096B}"/>
-              </a:ext>
-            </a:extLst>
-          </p:cNvPr>
-          <p:cNvPicPr>
-            <a:picLocks noGrp="1" noChangeAspect="1"/>
-          </p:cNvPicPr>
-          <p:nvPr>
-            <p:ph idx="1"/>
-          </p:nvPr>
-        </p:nvPicPr>
-        <p:blipFill>
-          <a:blip r:embed="rId2">
-            <a:extLst>
-              <a:ext uri="{28A0092B-C50C-407E-A947-70E740481C1C}">
-                <a14:useLocalDpi xmlns:a14="http://schemas.microsoft.com/office/drawing/2010/main" val="0"/>
-              </a:ext>
-            </a:extLst>
-          </a:blip>
-          <a:stretch>
-            <a:fillRect/>
-          </a:stretch>
-        </p:blipFill>
-        <p:spPr>
-          <a:xfrm>
-            <a:off x="838200" y="1640579"/>
-            <a:ext cx="7886700" cy="4070554"/>
-          </a:xfrm>
-        </p:spPr>
-      </p:pic>
       <p:sp>
         <p:nvSpPr>
           <p:cNvPr id="19" name="Rectangle 18">
@@ -6528,6 +6572,41 @@
           </a:p>
         </p:txBody>
       </p:sp>
+      <p:pic>
+        <p:nvPicPr>
+          <p:cNvPr id="7" name="Content Placeholder 6" descr="Diagram&#10;&#10;Description automatically generated">
+            <a:extLst>
+              <a:ext uri="{FF2B5EF4-FFF2-40B4-BE49-F238E27FC236}">
+                <a16:creationId xmlns:a16="http://schemas.microsoft.com/office/drawing/2014/main" id="{0D3DB9E1-8203-4447-93BE-67F6FE973FE5}"/>
+              </a:ext>
+            </a:extLst>
+          </p:cNvPr>
+          <p:cNvPicPr>
+            <a:picLocks noGrp="1" noChangeAspect="1"/>
+          </p:cNvPicPr>
+          <p:nvPr>
+            <p:ph idx="1"/>
+          </p:nvPr>
+        </p:nvPicPr>
+        <p:blipFill>
+          <a:blip r:embed="rId2">
+            <a:extLst>
+              <a:ext uri="{28A0092B-C50C-407E-A947-70E740481C1C}">
+                <a14:useLocalDpi xmlns:a14="http://schemas.microsoft.com/office/drawing/2010/main" val="0"/>
+              </a:ext>
+            </a:extLst>
+          </a:blip>
+          <a:stretch>
+            <a:fillRect/>
+          </a:stretch>
+        </p:blipFill>
+        <p:spPr>
+          <a:xfrm>
+            <a:off x="838200" y="1640579"/>
+            <a:ext cx="7886700" cy="4070554"/>
+          </a:xfrm>
+        </p:spPr>
+      </p:pic>
     </p:spTree>
     <p:extLst>
       <p:ext uri="{BB962C8B-B14F-4D97-AF65-F5344CB8AC3E}">
@@ -6568,7 +6647,7 @@
                                       <p:cBhvr>
                                         <p:cTn id="6" dur="1" fill="hold">
                                           <p:stCondLst>
-                                            <p:cond delay="999"/>
+                                            <p:cond delay="9"/>
                                           </p:stCondLst>
                                         </p:cTn>
                                         <p:tgtEl>
@@ -6613,7 +6692,7 @@
                                       <p:cBhvr>
                                         <p:cTn id="10" dur="1" fill="hold">
                                           <p:stCondLst>
-                                            <p:cond delay="999"/>
+                                            <p:cond delay="9"/>
                                           </p:stCondLst>
                                         </p:cTn>
                                         <p:tgtEl>
@@ -6687,7 +6766,7 @@
           <p:cNvPr id="2" name="Title 1">
             <a:extLst>
               <a:ext uri="{FF2B5EF4-FFF2-40B4-BE49-F238E27FC236}">
-                <a16:creationId xmlns:a16="http://schemas.microsoft.com/office/drawing/2014/main" id="{9B1ACA8A-ADF9-455A-98CA-09A3191352F5}"/>
+                <a16:creationId xmlns:a16="http://schemas.microsoft.com/office/drawing/2014/main" id="{E3499580-45C8-4E10-AA3C-72F039F1F56A}"/>
               </a:ext>
             </a:extLst>
           </p:cNvPr>
@@ -6705,7 +6784,7 @@
           <a:p>
             <a:r>
               <a:rPr lang="en-US" dirty="0"/>
-              <a:t>But what if different kinds of shapes had different operations?</a:t>
+              <a:t>Problem #3:</a:t>
             </a:r>
           </a:p>
         </p:txBody>
@@ -6715,7 +6794,7 @@
           <p:cNvPr id="3" name="Content Placeholder 2">
             <a:extLst>
               <a:ext uri="{FF2B5EF4-FFF2-40B4-BE49-F238E27FC236}">
-                <a16:creationId xmlns:a16="http://schemas.microsoft.com/office/drawing/2014/main" id="{CB344AF5-4D6F-428D-958C-3C1B4D7E3BFA}"/>
+                <a16:creationId xmlns:a16="http://schemas.microsoft.com/office/drawing/2014/main" id="{1C524A59-CBDC-4616-9259-DA6C7B61B662}"/>
               </a:ext>
             </a:extLst>
           </p:cNvPr>
@@ -6726,47 +6805,47 @@
             <p:ph idx="1"/>
           </p:nvPr>
         </p:nvSpPr>
-        <p:spPr/>
+        <p:spPr>
+          <a:xfrm>
+            <a:off x="838200" y="1500160"/>
+            <a:ext cx="8136988" cy="4351338"/>
+          </a:xfrm>
+        </p:spPr>
         <p:txBody>
           <a:bodyPr/>
           <a:lstStyle/>
           <a:p>
             <a:r>
               <a:rPr lang="en-US" dirty="0"/>
-              <a:t>Maybe you can rotate a square, but not a circle or a compound?</a:t>
-            </a:r>
-          </a:p>
-          <a:p>
-            <a:r>
-              <a:rPr lang="en-US" dirty="0"/>
-              <a:t>Solution 1:</a:t>
+              <a:t>You need to systematically go through the elements of some collection.</a:t>
+            </a:r>
+          </a:p>
+          <a:p>
+            <a:r>
+              <a:rPr lang="en-US" dirty="0"/>
+              <a:t>Solution 1: Implement your collection using a type that natively supports it.</a:t>
             </a:r>
           </a:p>
           <a:p>
             <a:pPr lvl="1"/>
             <a:r>
               <a:rPr lang="en-US" dirty="0"/>
-              <a:t>put a rotate operation in all the classes, but make them no-ops in all but the Square class.</a:t>
-            </a:r>
-          </a:p>
-          <a:p>
-            <a:r>
-              <a:rPr lang="en-US" dirty="0"/>
-              <a:t>Solution 2:</a:t>
+              <a:t>in TypeScript, this typically means an array (a list) or Map</a:t>
             </a:r>
           </a:p>
           <a:p>
             <a:pPr lvl="1"/>
             <a:r>
               <a:rPr lang="en-US" dirty="0"/>
-              <a:t>add an operation to the Shape interface that discriminates between the classes.</a:t>
-            </a:r>
-          </a:p>
-          <a:p>
-            <a:pPr lvl="1"/>
-            <a:r>
-              <a:rPr lang="en-US" dirty="0"/>
-              <a:t>details of this will be language-dependent</a:t>
+              <a:t>These are called </a:t>
+            </a:r>
+            <a:r>
+              <a:rPr lang="en-US" i="1" dirty="0">
+                <a:solidFill>
+                  <a:srgbClr val="FF0000"/>
+                </a:solidFill>
+              </a:rPr>
+              <a:t>internal iterators</a:t>
             </a:r>
           </a:p>
         </p:txBody>
@@ -6776,7 +6855,7 @@
           <p:cNvPr id="4" name="Slide Number Placeholder 3">
             <a:extLst>
               <a:ext uri="{FF2B5EF4-FFF2-40B4-BE49-F238E27FC236}">
-                <a16:creationId xmlns:a16="http://schemas.microsoft.com/office/drawing/2014/main" id="{DC0C29EC-224D-48E4-804A-1F88864F5492}"/>
+                <a16:creationId xmlns:a16="http://schemas.microsoft.com/office/drawing/2014/main" id="{BC39DF16-4621-45E4-A7F3-44A8A9EB55E3}"/>
               </a:ext>
             </a:extLst>
           </p:cNvPr>
@@ -6800,16 +6879,514 @@
           </a:p>
         </p:txBody>
       </p:sp>
+      <p:sp>
+        <p:nvSpPr>
+          <p:cNvPr id="5" name="Rectangle 4">
+            <a:extLst>
+              <a:ext uri="{FF2B5EF4-FFF2-40B4-BE49-F238E27FC236}">
+                <a16:creationId xmlns:a16="http://schemas.microsoft.com/office/drawing/2014/main" id="{DC9F0B63-8E38-4530-9C60-A595AB4C47BD}"/>
+              </a:ext>
+            </a:extLst>
+          </p:cNvPr>
+          <p:cNvSpPr/>
+          <p:nvPr/>
+        </p:nvSpPr>
+        <p:spPr>
+          <a:xfrm>
+            <a:off x="1570893" y="4248515"/>
+            <a:ext cx="6096000" cy="1754326"/>
+          </a:xfrm>
+          <a:prstGeom prst="rect">
+            <a:avLst/>
+          </a:prstGeom>
+        </p:spPr>
+        <p:txBody>
+          <a:bodyPr>
+            <a:spAutoFit/>
+          </a:bodyPr>
+          <a:lstStyle/>
+          <a:p>
+            <a:r>
+              <a:rPr lang="en-US" dirty="0">
+                <a:solidFill>
+                  <a:srgbClr val="0000FF"/>
+                </a:solidFill>
+                <a:latin typeface="Consolas" panose="020B0609020204030204" pitchFamily="49" charset="0"/>
+              </a:rPr>
+              <a:t>const</a:t>
+            </a:r>
+            <a:r>
+              <a:rPr lang="en-US" dirty="0">
+                <a:solidFill>
+                  <a:srgbClr val="000000"/>
+                </a:solidFill>
+                <a:latin typeface="Consolas" panose="020B0609020204030204" pitchFamily="49" charset="0"/>
+              </a:rPr>
+              <a:t> </a:t>
+            </a:r>
+            <a:r>
+              <a:rPr lang="en-US" dirty="0" err="1">
+                <a:solidFill>
+                  <a:srgbClr val="000000"/>
+                </a:solidFill>
+                <a:latin typeface="Consolas" panose="020B0609020204030204" pitchFamily="49" charset="0"/>
+              </a:rPr>
+              <a:t>mylist</a:t>
+            </a:r>
+            <a:r>
+              <a:rPr lang="en-US" dirty="0">
+                <a:solidFill>
+                  <a:srgbClr val="000000"/>
+                </a:solidFill>
+                <a:latin typeface="Consolas" panose="020B0609020204030204" pitchFamily="49" charset="0"/>
+              </a:rPr>
+              <a:t> : Shape[] =</a:t>
+            </a:r>
+            <a:r>
+              <a:rPr lang="en-US" dirty="0">
+                <a:solidFill>
+                  <a:srgbClr val="008000"/>
+                </a:solidFill>
+                <a:latin typeface="Consolas" panose="020B0609020204030204" pitchFamily="49" charset="0"/>
+              </a:rPr>
+              <a:t> ...</a:t>
+            </a:r>
+            <a:endParaRPr lang="en-US" dirty="0">
+              <a:solidFill>
+                <a:srgbClr val="000000"/>
+              </a:solidFill>
+              <a:latin typeface="Consolas" panose="020B0609020204030204" pitchFamily="49" charset="0"/>
+            </a:endParaRPr>
+          </a:p>
+          <a:p>
+            <a:r>
+              <a:rPr lang="en-US" dirty="0" err="1">
+                <a:solidFill>
+                  <a:srgbClr val="000000"/>
+                </a:solidFill>
+                <a:latin typeface="Consolas" panose="020B0609020204030204" pitchFamily="49" charset="0"/>
+              </a:rPr>
+              <a:t>mylist.map</a:t>
+            </a:r>
+            <a:r>
+              <a:rPr lang="en-US" dirty="0">
+                <a:solidFill>
+                  <a:srgbClr val="000000"/>
+                </a:solidFill>
+                <a:latin typeface="Consolas" panose="020B0609020204030204" pitchFamily="49" charset="0"/>
+              </a:rPr>
+              <a:t>(shape =&gt; ...)</a:t>
+            </a:r>
+          </a:p>
+          <a:p>
+            <a:r>
+              <a:rPr lang="en-US" dirty="0" err="1">
+                <a:solidFill>
+                  <a:srgbClr val="000000"/>
+                </a:solidFill>
+                <a:latin typeface="Consolas" panose="020B0609020204030204" pitchFamily="49" charset="0"/>
+              </a:rPr>
+              <a:t>mylist.filter</a:t>
+            </a:r>
+            <a:r>
+              <a:rPr lang="en-US" dirty="0">
+                <a:solidFill>
+                  <a:srgbClr val="000000"/>
+                </a:solidFill>
+                <a:latin typeface="Consolas" panose="020B0609020204030204" pitchFamily="49" charset="0"/>
+              </a:rPr>
+              <a:t>(shape =&gt; ...)</a:t>
+            </a:r>
+          </a:p>
+          <a:p>
+            <a:r>
+              <a:rPr lang="en-US" dirty="0" err="1">
+                <a:solidFill>
+                  <a:srgbClr val="000000"/>
+                </a:solidFill>
+                <a:latin typeface="Consolas" panose="020B0609020204030204" pitchFamily="49" charset="0"/>
+              </a:rPr>
+              <a:t>mylist.forEach</a:t>
+            </a:r>
+            <a:r>
+              <a:rPr lang="en-US" dirty="0">
+                <a:solidFill>
+                  <a:srgbClr val="000000"/>
+                </a:solidFill>
+                <a:latin typeface="Consolas" panose="020B0609020204030204" pitchFamily="49" charset="0"/>
+              </a:rPr>
+              <a:t>(shape =&gt; ...)</a:t>
+            </a:r>
+          </a:p>
+          <a:p>
+            <a:br>
+              <a:rPr lang="en-US" dirty="0">
+                <a:solidFill>
+                  <a:srgbClr val="000000"/>
+                </a:solidFill>
+                <a:latin typeface="Consolas" panose="020B0609020204030204" pitchFamily="49" charset="0"/>
+              </a:rPr>
+            </a:br>
+            <a:r>
+              <a:rPr lang="en-US" dirty="0">
+                <a:solidFill>
+                  <a:srgbClr val="0000FF"/>
+                </a:solidFill>
+                <a:latin typeface="Consolas" panose="020B0609020204030204" pitchFamily="49" charset="0"/>
+              </a:rPr>
+              <a:t>for</a:t>
+            </a:r>
+            <a:r>
+              <a:rPr lang="en-US" dirty="0">
+                <a:solidFill>
+                  <a:srgbClr val="000000"/>
+                </a:solidFill>
+                <a:latin typeface="Consolas" panose="020B0609020204030204" pitchFamily="49" charset="0"/>
+              </a:rPr>
+              <a:t> (s </a:t>
+            </a:r>
+            <a:r>
+              <a:rPr lang="en-US" dirty="0">
+                <a:solidFill>
+                  <a:srgbClr val="0000FF"/>
+                </a:solidFill>
+                <a:latin typeface="Consolas" panose="020B0609020204030204" pitchFamily="49" charset="0"/>
+              </a:rPr>
+              <a:t>in</a:t>
+            </a:r>
+            <a:r>
+              <a:rPr lang="en-US" dirty="0">
+                <a:solidFill>
+                  <a:srgbClr val="000000"/>
+                </a:solidFill>
+                <a:latin typeface="Consolas" panose="020B0609020204030204" pitchFamily="49" charset="0"/>
+              </a:rPr>
+              <a:t> </a:t>
+            </a:r>
+            <a:r>
+              <a:rPr lang="en-US" dirty="0" err="1">
+                <a:solidFill>
+                  <a:srgbClr val="000000"/>
+                </a:solidFill>
+                <a:latin typeface="Consolas" panose="020B0609020204030204" pitchFamily="49" charset="0"/>
+              </a:rPr>
+              <a:t>mylist</a:t>
+            </a:r>
+            <a:r>
+              <a:rPr lang="en-US" dirty="0">
+                <a:solidFill>
+                  <a:srgbClr val="000000"/>
+                </a:solidFill>
+                <a:latin typeface="Consolas" panose="020B0609020204030204" pitchFamily="49" charset="0"/>
+              </a:rPr>
+              <a:t>) {...}</a:t>
+            </a:r>
+            <a:endParaRPr lang="en-US" b="0" dirty="0">
+              <a:solidFill>
+                <a:srgbClr val="000000"/>
+              </a:solidFill>
+              <a:effectLst/>
+              <a:latin typeface="Consolas" panose="020B0609020204030204" pitchFamily="49" charset="0"/>
+            </a:endParaRPr>
+          </a:p>
+        </p:txBody>
+      </p:sp>
+      <p:sp>
+        <p:nvSpPr>
+          <p:cNvPr id="6" name="Rectangle 5">
+            <a:extLst>
+              <a:ext uri="{FF2B5EF4-FFF2-40B4-BE49-F238E27FC236}">
+                <a16:creationId xmlns:a16="http://schemas.microsoft.com/office/drawing/2014/main" id="{4F696911-525B-4EFA-83F8-62F6E1D5167C}"/>
+              </a:ext>
+            </a:extLst>
+          </p:cNvPr>
+          <p:cNvSpPr/>
+          <p:nvPr/>
+        </p:nvSpPr>
+        <p:spPr>
+          <a:xfrm>
+            <a:off x="6295293" y="3789643"/>
+            <a:ext cx="2743199" cy="1211422"/>
+          </a:xfrm>
+          <a:prstGeom prst="rect">
+            <a:avLst/>
+          </a:prstGeom>
+          <a:solidFill>
+            <a:schemeClr val="accent2">
+              <a:lumMod val="20000"/>
+              <a:lumOff val="80000"/>
+            </a:schemeClr>
+          </a:solidFill>
+          <a:ln>
+            <a:solidFill>
+              <a:srgbClr val="0070C0"/>
+            </a:solidFill>
+          </a:ln>
+        </p:spPr>
+        <p:style>
+          <a:lnRef idx="2">
+            <a:schemeClr val="accent1">
+              <a:shade val="50000"/>
+            </a:schemeClr>
+          </a:lnRef>
+          <a:fillRef idx="1">
+            <a:schemeClr val="accent1"/>
+          </a:fillRef>
+          <a:effectRef idx="0">
+            <a:schemeClr val="accent1"/>
+          </a:effectRef>
+          <a:fontRef idx="minor">
+            <a:schemeClr val="lt1"/>
+          </a:fontRef>
+        </p:style>
+        <p:txBody>
+          <a:bodyPr rtlCol="0" anchor="t"/>
+          <a:lstStyle/>
+          <a:p>
+            <a:r>
+              <a:rPr lang="en-US" b="1" dirty="0">
+                <a:solidFill>
+                  <a:schemeClr val="tx1"/>
+                </a:solidFill>
+                <a:latin typeface="Ink Free" panose="03080402000500000000" pitchFamily="66" charset="0"/>
+              </a:rPr>
+              <a:t>The function that you apply to each element of the array is called the </a:t>
+            </a:r>
+            <a:r>
+              <a:rPr lang="en-US" b="1" dirty="0">
+                <a:solidFill>
+                  <a:srgbClr val="FF0000"/>
+                </a:solidFill>
+                <a:latin typeface="Ink Free" panose="03080402000500000000" pitchFamily="66" charset="0"/>
+              </a:rPr>
+              <a:t>callback</a:t>
+            </a:r>
+            <a:r>
+              <a:rPr lang="en-US" b="1" dirty="0">
+                <a:solidFill>
+                  <a:schemeClr val="tx1"/>
+                </a:solidFill>
+                <a:latin typeface="Ink Free" panose="03080402000500000000" pitchFamily="66" charset="0"/>
+              </a:rPr>
+              <a:t>.</a:t>
+            </a:r>
+          </a:p>
+          <a:p>
+            <a:endParaRPr lang="en-US" b="1" dirty="0">
+              <a:solidFill>
+                <a:schemeClr val="tx1"/>
+              </a:solidFill>
+              <a:latin typeface="Ink Free" panose="03080402000500000000" pitchFamily="66" charset="0"/>
+            </a:endParaRPr>
+          </a:p>
+        </p:txBody>
+      </p:sp>
+      <p:sp>
+        <p:nvSpPr>
+          <p:cNvPr id="7" name="Rectangle 6">
+            <a:extLst>
+              <a:ext uri="{FF2B5EF4-FFF2-40B4-BE49-F238E27FC236}">
+                <a16:creationId xmlns:a16="http://schemas.microsoft.com/office/drawing/2014/main" id="{8C234467-9C3C-48D4-9F19-E4ABF02592DB}"/>
+              </a:ext>
+            </a:extLst>
+          </p:cNvPr>
+          <p:cNvSpPr/>
+          <p:nvPr/>
+        </p:nvSpPr>
+        <p:spPr>
+          <a:xfrm>
+            <a:off x="8526195" y="4901131"/>
+            <a:ext cx="2743199" cy="1669294"/>
+          </a:xfrm>
+          <a:prstGeom prst="rect">
+            <a:avLst/>
+          </a:prstGeom>
+          <a:solidFill>
+            <a:schemeClr val="accent2">
+              <a:lumMod val="20000"/>
+              <a:lumOff val="80000"/>
+            </a:schemeClr>
+          </a:solidFill>
+          <a:ln>
+            <a:solidFill>
+              <a:srgbClr val="0070C0"/>
+            </a:solidFill>
+          </a:ln>
+        </p:spPr>
+        <p:style>
+          <a:lnRef idx="2">
+            <a:schemeClr val="accent1">
+              <a:shade val="50000"/>
+            </a:schemeClr>
+          </a:lnRef>
+          <a:fillRef idx="1">
+            <a:schemeClr val="accent1"/>
+          </a:fillRef>
+          <a:effectRef idx="0">
+            <a:schemeClr val="accent1"/>
+          </a:effectRef>
+          <a:fontRef idx="minor">
+            <a:schemeClr val="lt1"/>
+          </a:fontRef>
+        </p:style>
+        <p:txBody>
+          <a:bodyPr rtlCol="0" anchor="t"/>
+          <a:lstStyle/>
+          <a:p>
+            <a:r>
+              <a:rPr lang="en-US" b="1" dirty="0">
+                <a:solidFill>
+                  <a:schemeClr val="tx1"/>
+                </a:solidFill>
+                <a:latin typeface="Ink Free" panose="03080402000500000000" pitchFamily="66" charset="0"/>
+              </a:rPr>
+              <a:t>Internal iterators like these replace almost all loops in TypeScript.  If you are not familiar with them, go look them up.</a:t>
+            </a:r>
+          </a:p>
+          <a:p>
+            <a:endParaRPr lang="en-US" b="1" dirty="0">
+              <a:solidFill>
+                <a:schemeClr val="tx1"/>
+              </a:solidFill>
+              <a:latin typeface="Ink Free" panose="03080402000500000000" pitchFamily="66" charset="0"/>
+            </a:endParaRPr>
+          </a:p>
+        </p:txBody>
+      </p:sp>
     </p:spTree>
     <p:extLst>
       <p:ext uri="{BB962C8B-B14F-4D97-AF65-F5344CB8AC3E}">
-        <p14:creationId xmlns:p14="http://schemas.microsoft.com/office/powerpoint/2010/main" val="2043864749"/>
+        <p14:creationId xmlns:p14="http://schemas.microsoft.com/office/powerpoint/2010/main" val="2311437616"/>
       </p:ext>
     </p:extLst>
   </p:cSld>
   <p:clrMapOvr>
     <a:masterClrMapping/>
   </p:clrMapOvr>
+  <p:timing>
+    <p:tnLst>
+      <p:par>
+        <p:cTn id="1" dur="indefinite" restart="never" nodeType="tmRoot">
+          <p:childTnLst>
+            <p:seq concurrent="1" nextAc="seek">
+              <p:cTn id="2" dur="indefinite" nodeType="mainSeq">
+                <p:childTnLst>
+                  <p:par>
+                    <p:cTn id="3" fill="hold">
+                      <p:stCondLst>
+                        <p:cond delay="indefinite"/>
+                      </p:stCondLst>
+                      <p:childTnLst>
+                        <p:par>
+                          <p:cTn id="4" fill="hold">
+                            <p:stCondLst>
+                              <p:cond delay="0"/>
+                            </p:stCondLst>
+                            <p:childTnLst>
+                              <p:par>
+                                <p:cTn id="5" presetID="1" presetClass="entr" presetSubtype="0" fill="hold" grpId="0" nodeType="clickEffect">
+                                  <p:stCondLst>
+                                    <p:cond delay="0"/>
+                                  </p:stCondLst>
+                                  <p:childTnLst>
+                                    <p:set>
+                                      <p:cBhvr>
+                                        <p:cTn id="6" dur="1" fill="hold">
+                                          <p:stCondLst>
+                                            <p:cond delay="9"/>
+                                          </p:stCondLst>
+                                        </p:cTn>
+                                        <p:tgtEl>
+                                          <p:spTgt spid="6"/>
+                                        </p:tgtEl>
+                                        <p:attrNameLst>
+                                          <p:attrName>style.visibility</p:attrName>
+                                        </p:attrNameLst>
+                                      </p:cBhvr>
+                                      <p:to>
+                                        <p:strVal val="visible"/>
+                                      </p:to>
+                                    </p:set>
+                                  </p:childTnLst>
+                                </p:cTn>
+                              </p:par>
+                            </p:childTnLst>
+                          </p:cTn>
+                        </p:par>
+                      </p:childTnLst>
+                    </p:cTn>
+                  </p:par>
+                  <p:par>
+                    <p:cTn id="7" fill="hold">
+                      <p:stCondLst>
+                        <p:cond delay="indefinite"/>
+                      </p:stCondLst>
+                      <p:childTnLst>
+                        <p:par>
+                          <p:cTn id="8" fill="hold">
+                            <p:stCondLst>
+                              <p:cond delay="0"/>
+                            </p:stCondLst>
+                            <p:childTnLst>
+                              <p:par>
+                                <p:cTn id="9" presetID="1" presetClass="entr" presetSubtype="0" fill="hold" grpId="0" nodeType="clickEffect">
+                                  <p:stCondLst>
+                                    <p:cond delay="0"/>
+                                  </p:stCondLst>
+                                  <p:childTnLst>
+                                    <p:set>
+                                      <p:cBhvr>
+                                        <p:cTn id="10" dur="1" fill="hold">
+                                          <p:stCondLst>
+                                            <p:cond delay="9"/>
+                                          </p:stCondLst>
+                                        </p:cTn>
+                                        <p:tgtEl>
+                                          <p:spTgt spid="7"/>
+                                        </p:tgtEl>
+                                        <p:attrNameLst>
+                                          <p:attrName>style.visibility</p:attrName>
+                                        </p:attrNameLst>
+                                      </p:cBhvr>
+                                      <p:to>
+                                        <p:strVal val="visible"/>
+                                      </p:to>
+                                    </p:set>
+                                  </p:childTnLst>
+                                </p:cTn>
+                              </p:par>
+                            </p:childTnLst>
+                          </p:cTn>
+                        </p:par>
+                      </p:childTnLst>
+                    </p:cTn>
+                  </p:par>
+                </p:childTnLst>
+              </p:cTn>
+              <p:prevCondLst>
+                <p:cond evt="onPrev" delay="0">
+                  <p:tgtEl>
+                    <p:sldTgt/>
+                  </p:tgtEl>
+                </p:cond>
+              </p:prevCondLst>
+              <p:nextCondLst>
+                <p:cond evt="onNext" delay="0">
+                  <p:tgtEl>
+                    <p:sldTgt/>
+                  </p:tgtEl>
+                </p:cond>
+              </p:nextCondLst>
+            </p:seq>
+          </p:childTnLst>
+        </p:cTn>
+      </p:par>
+    </p:tnLst>
+    <p:bldLst>
+      <p:bldP spid="6" grpId="0" animBg="1"/>
+      <p:bldP spid="7" grpId="0" animBg="1"/>
+    </p:bldLst>
+  </p:timing>
 </p:sld>
 </file>
 
@@ -6835,7 +7412,7 @@
           <p:cNvPr id="2" name="Title 1">
             <a:extLst>
               <a:ext uri="{FF2B5EF4-FFF2-40B4-BE49-F238E27FC236}">
-                <a16:creationId xmlns:a16="http://schemas.microsoft.com/office/drawing/2014/main" id="{E3499580-45C8-4E10-AA3C-72F039F1F56A}"/>
+                <a16:creationId xmlns:a16="http://schemas.microsoft.com/office/drawing/2014/main" id="{2EBB2A13-9C78-4523-A291-648BD410A5CA}"/>
               </a:ext>
             </a:extLst>
           </p:cNvPr>
@@ -6853,63 +7430,7 @@
           <a:p>
             <a:r>
               <a:rPr lang="en-US" dirty="0"/>
-              <a:t>Problem:</a:t>
-            </a:r>
-          </a:p>
-        </p:txBody>
-      </p:sp>
-      <p:sp>
-        <p:nvSpPr>
-          <p:cNvPr id="3" name="Content Placeholder 2">
-            <a:extLst>
-              <a:ext uri="{FF2B5EF4-FFF2-40B4-BE49-F238E27FC236}">
-                <a16:creationId xmlns:a16="http://schemas.microsoft.com/office/drawing/2014/main" id="{1C524A59-CBDC-4616-9259-DA6C7B61B662}"/>
-              </a:ext>
-            </a:extLst>
-          </p:cNvPr>
-          <p:cNvSpPr>
-            <a:spLocks noGrp="1"/>
-          </p:cNvSpPr>
-          <p:nvPr>
-            <p:ph idx="1"/>
-          </p:nvPr>
-        </p:nvSpPr>
-        <p:spPr/>
-        <p:txBody>
-          <a:bodyPr/>
-          <a:lstStyle/>
-          <a:p>
-            <a:r>
-              <a:rPr lang="en-US" dirty="0"/>
-              <a:t>You need to systematically go through the elements of some collection.</a:t>
-            </a:r>
-          </a:p>
-          <a:p>
-            <a:r>
-              <a:rPr lang="en-US" dirty="0"/>
-              <a:t>Solution 1: Implement your collection using a type that natively supports it.</a:t>
-            </a:r>
-          </a:p>
-          <a:p>
-            <a:pPr lvl="1"/>
-            <a:r>
-              <a:rPr lang="en-US" dirty="0"/>
-              <a:t>in TypeScript, this typically means an array (a list) or Map</a:t>
-            </a:r>
-          </a:p>
-          <a:p>
-            <a:pPr lvl="1"/>
-            <a:r>
-              <a:rPr lang="en-US" dirty="0"/>
-              <a:t>These are called </a:t>
-            </a:r>
-            <a:r>
-              <a:rPr lang="en-US" i="1" dirty="0">
-                <a:solidFill>
-                  <a:srgbClr val="FF0000"/>
-                </a:solidFill>
-              </a:rPr>
-              <a:t>internal iterators</a:t>
+              <a:t>TypeScript also allows iterators over Maps</a:t>
             </a:r>
           </a:p>
         </p:txBody>
@@ -6919,7 +7440,7 @@
           <p:cNvPr id="4" name="Slide Number Placeholder 3">
             <a:extLst>
               <a:ext uri="{FF2B5EF4-FFF2-40B4-BE49-F238E27FC236}">
-                <a16:creationId xmlns:a16="http://schemas.microsoft.com/office/drawing/2014/main" id="{BC39DF16-4621-45E4-A7F3-44A8A9EB55E3}"/>
+                <a16:creationId xmlns:a16="http://schemas.microsoft.com/office/drawing/2014/main" id="{2ADDDCCF-445D-4BC1-92C4-4A7A20A2F0E3}"/>
               </a:ext>
             </a:extLst>
           </p:cNvPr>
@@ -6948,7 +7469,7 @@
           <p:cNvPr id="5" name="Rectangle 4">
             <a:extLst>
               <a:ext uri="{FF2B5EF4-FFF2-40B4-BE49-F238E27FC236}">
-                <a16:creationId xmlns:a16="http://schemas.microsoft.com/office/drawing/2014/main" id="{DC9F0B63-8E38-4530-9C60-A595AB4C47BD}"/>
+                <a16:creationId xmlns:a16="http://schemas.microsoft.com/office/drawing/2014/main" id="{6A2C2717-E9E1-42A1-B113-C2AAC98A4B46}"/>
               </a:ext>
             </a:extLst>
           </p:cNvPr>
@@ -6957,15 +7478,15 @@
         </p:nvSpPr>
         <p:spPr>
           <a:xfrm>
-            <a:off x="1570893" y="4480677"/>
-            <a:ext cx="6096000" cy="1754326"/>
+            <a:off x="838200" y="1538122"/>
+            <a:ext cx="8305800" cy="3970318"/>
           </a:xfrm>
           <a:prstGeom prst="rect">
             <a:avLst/>
           </a:prstGeom>
         </p:spPr>
         <p:txBody>
-          <a:bodyPr>
+          <a:bodyPr wrap="square">
             <a:spAutoFit/>
           </a:bodyPr>
           <a:lstStyle/>
@@ -6977,7 +7498,7 @@
                 </a:solidFill>
                 <a:latin typeface="Consolas" panose="020B0609020204030204" pitchFamily="49" charset="0"/>
               </a:rPr>
-              <a:t>const</a:t>
+              <a:t>type</a:t>
             </a:r>
             <a:r>
               <a:rPr lang="en-US" dirty="0">
@@ -6995,25 +7516,244 @@
                 </a:solidFill>
                 <a:latin typeface="Consolas" panose="020B0609020204030204" pitchFamily="49" charset="0"/>
               </a:rPr>
-              <a:t>mylist</a:t>
-            </a:r>
-            <a:r>
-              <a:rPr lang="en-US" dirty="0">
-                <a:solidFill>
-                  <a:srgbClr val="000000"/>
-                </a:solidFill>
-                <a:latin typeface="Consolas" panose="020B0609020204030204" pitchFamily="49" charset="0"/>
-              </a:rPr>
-              <a:t> : Shape[] =</a:t>
-            </a:r>
-            <a:r>
-              <a:rPr lang="en-US" dirty="0">
-                <a:solidFill>
-                  <a:srgbClr val="008000"/>
-                </a:solidFill>
-                <a:latin typeface="Consolas" panose="020B0609020204030204" pitchFamily="49" charset="0"/>
-              </a:rPr>
-              <a:t> ...</a:t>
+              <a:t>StudentTableOut</a:t>
+            </a:r>
+            <a:r>
+              <a:rPr lang="en-US" dirty="0">
+                <a:solidFill>
+                  <a:srgbClr val="000000"/>
+                </a:solidFill>
+                <a:latin typeface="Consolas" panose="020B0609020204030204" pitchFamily="49" charset="0"/>
+              </a:rPr>
+              <a:t> = </a:t>
+            </a:r>
+            <a:r>
+              <a:rPr lang="en-US" dirty="0">
+                <a:solidFill>
+                  <a:srgbClr val="000000"/>
+                </a:solidFill>
+                <a:highlight>
+                  <a:srgbClr val="FFFF00"/>
+                </a:highlight>
+                <a:latin typeface="Consolas" panose="020B0609020204030204" pitchFamily="49" charset="0"/>
+              </a:rPr>
+              <a:t>Map&lt;</a:t>
+            </a:r>
+            <a:r>
+              <a:rPr lang="en-US" dirty="0" err="1">
+                <a:solidFill>
+                  <a:srgbClr val="000000"/>
+                </a:solidFill>
+                <a:highlight>
+                  <a:srgbClr val="FFFF00"/>
+                </a:highlight>
+                <a:latin typeface="Consolas" panose="020B0609020204030204" pitchFamily="49" charset="0"/>
+              </a:rPr>
+              <a:t>StudentId,StudentDataOut</a:t>
+            </a:r>
+            <a:r>
+              <a:rPr lang="en-US" dirty="0">
+                <a:solidFill>
+                  <a:srgbClr val="000000"/>
+                </a:solidFill>
+                <a:highlight>
+                  <a:srgbClr val="FFFF00"/>
+                </a:highlight>
+                <a:latin typeface="Consolas" panose="020B0609020204030204" pitchFamily="49" charset="0"/>
+              </a:rPr>
+              <a:t>&gt;</a:t>
+            </a:r>
+          </a:p>
+          <a:p>
+            <a:br>
+              <a:rPr lang="en-US" dirty="0">
+                <a:solidFill>
+                  <a:srgbClr val="000000"/>
+                </a:solidFill>
+                <a:latin typeface="Consolas" panose="020B0609020204030204" pitchFamily="49" charset="0"/>
+              </a:rPr>
+            </a:br>
+            <a:r>
+              <a:rPr lang="en-US" dirty="0">
+                <a:solidFill>
+                  <a:srgbClr val="0000FF"/>
+                </a:solidFill>
+                <a:latin typeface="Consolas" panose="020B0609020204030204" pitchFamily="49" charset="0"/>
+              </a:rPr>
+              <a:t>function</a:t>
+            </a:r>
+            <a:r>
+              <a:rPr lang="en-US" dirty="0">
+                <a:solidFill>
+                  <a:srgbClr val="000000"/>
+                </a:solidFill>
+                <a:latin typeface="Consolas" panose="020B0609020204030204" pitchFamily="49" charset="0"/>
+              </a:rPr>
+              <a:t> </a:t>
+            </a:r>
+            <a:r>
+              <a:rPr lang="en-US" dirty="0" err="1">
+                <a:solidFill>
+                  <a:srgbClr val="000000"/>
+                </a:solidFill>
+                <a:latin typeface="Consolas" panose="020B0609020204030204" pitchFamily="49" charset="0"/>
+              </a:rPr>
+              <a:t>countAllBins</a:t>
+            </a:r>
+            <a:r>
+              <a:rPr lang="en-US" dirty="0">
+                <a:solidFill>
+                  <a:srgbClr val="000000"/>
+                </a:solidFill>
+                <a:latin typeface="Consolas" panose="020B0609020204030204" pitchFamily="49" charset="0"/>
+              </a:rPr>
+              <a:t> (</a:t>
+            </a:r>
+            <a:r>
+              <a:rPr lang="en-US" dirty="0" err="1">
+                <a:solidFill>
+                  <a:srgbClr val="000000"/>
+                </a:solidFill>
+                <a:latin typeface="Consolas" panose="020B0609020204030204" pitchFamily="49" charset="0"/>
+              </a:rPr>
+              <a:t>studentMasterTable</a:t>
+            </a:r>
+            <a:r>
+              <a:rPr lang="en-US" dirty="0">
+                <a:solidFill>
+                  <a:srgbClr val="000000"/>
+                </a:solidFill>
+                <a:latin typeface="Consolas" panose="020B0609020204030204" pitchFamily="49" charset="0"/>
+              </a:rPr>
+              <a:t>: </a:t>
+            </a:r>
+            <a:r>
+              <a:rPr lang="en-US" dirty="0" err="1">
+                <a:solidFill>
+                  <a:srgbClr val="000000"/>
+                </a:solidFill>
+                <a:latin typeface="Consolas" panose="020B0609020204030204" pitchFamily="49" charset="0"/>
+              </a:rPr>
+              <a:t>StudentTableOut</a:t>
+            </a:r>
+            <a:r>
+              <a:rPr lang="en-US" dirty="0">
+                <a:solidFill>
+                  <a:srgbClr val="000000"/>
+                </a:solidFill>
+                <a:latin typeface="Consolas" panose="020B0609020204030204" pitchFamily="49" charset="0"/>
+              </a:rPr>
+              <a:t>) {</a:t>
+            </a:r>
+          </a:p>
+          <a:p>
+            <a:r>
+              <a:rPr lang="en-US" dirty="0">
+                <a:solidFill>
+                  <a:srgbClr val="000000"/>
+                </a:solidFill>
+                <a:latin typeface="Consolas" panose="020B0609020204030204" pitchFamily="49" charset="0"/>
+              </a:rPr>
+              <a:t>    </a:t>
+            </a:r>
+            <a:r>
+              <a:rPr lang="en-US" dirty="0">
+                <a:solidFill>
+                  <a:srgbClr val="0000FF"/>
+                </a:solidFill>
+                <a:latin typeface="Consolas" panose="020B0609020204030204" pitchFamily="49" charset="0"/>
+              </a:rPr>
+              <a:t>let</a:t>
+            </a:r>
+            <a:r>
+              <a:rPr lang="en-US" dirty="0">
+                <a:solidFill>
+                  <a:srgbClr val="000000"/>
+                </a:solidFill>
+                <a:latin typeface="Consolas" panose="020B0609020204030204" pitchFamily="49" charset="0"/>
+              </a:rPr>
+              <a:t> </a:t>
+            </a:r>
+            <a:r>
+              <a:rPr lang="en-US" dirty="0" err="1">
+                <a:solidFill>
+                  <a:srgbClr val="000000"/>
+                </a:solidFill>
+                <a:latin typeface="Consolas" panose="020B0609020204030204" pitchFamily="49" charset="0"/>
+              </a:rPr>
+              <a:t>histo</a:t>
+            </a:r>
+            <a:r>
+              <a:rPr lang="en-US" dirty="0">
+                <a:solidFill>
+                  <a:srgbClr val="000000"/>
+                </a:solidFill>
+                <a:latin typeface="Consolas" panose="020B0609020204030204" pitchFamily="49" charset="0"/>
+              </a:rPr>
+              <a:t> = [</a:t>
+            </a:r>
+            <a:r>
+              <a:rPr lang="en-US" dirty="0">
+                <a:solidFill>
+                  <a:srgbClr val="098658"/>
+                </a:solidFill>
+                <a:latin typeface="Consolas" panose="020B0609020204030204" pitchFamily="49" charset="0"/>
+              </a:rPr>
+              <a:t>0</a:t>
+            </a:r>
+            <a:r>
+              <a:rPr lang="en-US" dirty="0">
+                <a:solidFill>
+                  <a:srgbClr val="000000"/>
+                </a:solidFill>
+                <a:latin typeface="Consolas" panose="020B0609020204030204" pitchFamily="49" charset="0"/>
+              </a:rPr>
+              <a:t>,</a:t>
+            </a:r>
+            <a:r>
+              <a:rPr lang="en-US" dirty="0">
+                <a:solidFill>
+                  <a:srgbClr val="098658"/>
+                </a:solidFill>
+                <a:latin typeface="Consolas" panose="020B0609020204030204" pitchFamily="49" charset="0"/>
+              </a:rPr>
+              <a:t>0</a:t>
+            </a:r>
+            <a:r>
+              <a:rPr lang="en-US" dirty="0">
+                <a:solidFill>
+                  <a:srgbClr val="000000"/>
+                </a:solidFill>
+                <a:latin typeface="Consolas" panose="020B0609020204030204" pitchFamily="49" charset="0"/>
+              </a:rPr>
+              <a:t>,</a:t>
+            </a:r>
+            <a:r>
+              <a:rPr lang="en-US" dirty="0">
+                <a:solidFill>
+                  <a:srgbClr val="098658"/>
+                </a:solidFill>
+                <a:latin typeface="Consolas" panose="020B0609020204030204" pitchFamily="49" charset="0"/>
+              </a:rPr>
+              <a:t>0</a:t>
+            </a:r>
+            <a:r>
+              <a:rPr lang="en-US" dirty="0">
+                <a:solidFill>
+                  <a:srgbClr val="000000"/>
+                </a:solidFill>
+                <a:latin typeface="Consolas" panose="020B0609020204030204" pitchFamily="49" charset="0"/>
+              </a:rPr>
+              <a:t>] </a:t>
+            </a:r>
+            <a:r>
+              <a:rPr lang="en-US" dirty="0">
+                <a:solidFill>
+                  <a:srgbClr val="098658"/>
+                </a:solidFill>
+                <a:latin typeface="Consolas" panose="020B0609020204030204" pitchFamily="49" charset="0"/>
+              </a:rPr>
+              <a:t>  // a histogram with 3 bins</a:t>
             </a:r>
             <a:endParaRPr lang="en-US" dirty="0">
               <a:solidFill>
@@ -7024,25 +7764,148 @@
           </a:p>
           <a:p>
             <a:r>
+              <a:rPr lang="en-US" dirty="0">
+                <a:solidFill>
+                  <a:srgbClr val="000000"/>
+                </a:solidFill>
+                <a:latin typeface="Consolas" panose="020B0609020204030204" pitchFamily="49" charset="0"/>
+              </a:rPr>
+              <a:t>    </a:t>
+            </a:r>
+            <a:r>
+              <a:rPr lang="en-US" dirty="0">
+                <a:solidFill>
+                  <a:srgbClr val="0000FF"/>
+                </a:solidFill>
+                <a:highlight>
+                  <a:srgbClr val="FFFF00"/>
+                </a:highlight>
+                <a:latin typeface="Consolas" panose="020B0609020204030204" pitchFamily="49" charset="0"/>
+              </a:rPr>
+              <a:t>for</a:t>
+            </a:r>
+            <a:r>
+              <a:rPr lang="en-US" dirty="0">
+                <a:solidFill>
+                  <a:srgbClr val="000000"/>
+                </a:solidFill>
+                <a:highlight>
+                  <a:srgbClr val="FFFF00"/>
+                </a:highlight>
+                <a:latin typeface="Consolas" panose="020B0609020204030204" pitchFamily="49" charset="0"/>
+              </a:rPr>
+              <a:t> (</a:t>
+            </a:r>
+            <a:r>
+              <a:rPr lang="en-US" dirty="0">
+                <a:solidFill>
+                  <a:srgbClr val="0000FF"/>
+                </a:solidFill>
+                <a:highlight>
+                  <a:srgbClr val="FFFF00"/>
+                </a:highlight>
+                <a:latin typeface="Consolas" panose="020B0609020204030204" pitchFamily="49" charset="0"/>
+              </a:rPr>
+              <a:t>let</a:t>
+            </a:r>
+            <a:r>
+              <a:rPr lang="en-US" dirty="0">
+                <a:solidFill>
+                  <a:srgbClr val="000000"/>
+                </a:solidFill>
+                <a:highlight>
+                  <a:srgbClr val="FFFF00"/>
+                </a:highlight>
+                <a:latin typeface="Consolas" panose="020B0609020204030204" pitchFamily="49" charset="0"/>
+              </a:rPr>
+              <a:t> student </a:t>
+            </a:r>
+            <a:r>
+              <a:rPr lang="en-US" dirty="0">
+                <a:solidFill>
+                  <a:srgbClr val="0000FF"/>
+                </a:solidFill>
+                <a:highlight>
+                  <a:srgbClr val="FFFF00"/>
+                </a:highlight>
+                <a:latin typeface="Consolas" panose="020B0609020204030204" pitchFamily="49" charset="0"/>
+              </a:rPr>
+              <a:t>of</a:t>
+            </a:r>
+            <a:r>
+              <a:rPr lang="en-US" dirty="0">
+                <a:solidFill>
+                  <a:srgbClr val="000000"/>
+                </a:solidFill>
+                <a:highlight>
+                  <a:srgbClr val="FFFF00"/>
+                </a:highlight>
+                <a:latin typeface="Consolas" panose="020B0609020204030204" pitchFamily="49" charset="0"/>
+              </a:rPr>
+              <a:t> </a:t>
+            </a:r>
+            <a:r>
               <a:rPr lang="en-US" dirty="0" err="1">
                 <a:solidFill>
                   <a:srgbClr val="000000"/>
                 </a:solidFill>
-                <a:latin typeface="Consolas" panose="020B0609020204030204" pitchFamily="49" charset="0"/>
-              </a:rPr>
-              <a:t>mylist.map</a:t>
-            </a:r>
-            <a:r>
-              <a:rPr lang="en-US" dirty="0">
-                <a:solidFill>
-                  <a:srgbClr val="000000"/>
-                </a:solidFill>
-                <a:latin typeface="Consolas" panose="020B0609020204030204" pitchFamily="49" charset="0"/>
-              </a:rPr>
-              <a:t>(...)</a:t>
-            </a:r>
-          </a:p>
-          <a:p>
+                <a:highlight>
+                  <a:srgbClr val="FFFF00"/>
+                </a:highlight>
+                <a:latin typeface="Consolas" panose="020B0609020204030204" pitchFamily="49" charset="0"/>
+              </a:rPr>
+              <a:t>studentMasterTable.keys</a:t>
+            </a:r>
+            <a:r>
+              <a:rPr lang="en-US" dirty="0">
+                <a:solidFill>
+                  <a:srgbClr val="000000"/>
+                </a:solidFill>
+                <a:highlight>
+                  <a:srgbClr val="FFFF00"/>
+                </a:highlight>
+                <a:latin typeface="Consolas" panose="020B0609020204030204" pitchFamily="49" charset="0"/>
+              </a:rPr>
+              <a:t>()) </a:t>
+            </a:r>
+            <a:r>
+              <a:rPr lang="en-US" dirty="0">
+                <a:solidFill>
+                  <a:srgbClr val="000000"/>
+                </a:solidFill>
+                <a:latin typeface="Consolas" panose="020B0609020204030204" pitchFamily="49" charset="0"/>
+              </a:rPr>
+              <a:t>{</a:t>
+            </a:r>
+          </a:p>
+          <a:p>
+            <a:r>
+              <a:rPr lang="en-US" dirty="0">
+                <a:solidFill>
+                  <a:srgbClr val="000000"/>
+                </a:solidFill>
+                <a:latin typeface="Consolas" panose="020B0609020204030204" pitchFamily="49" charset="0"/>
+              </a:rPr>
+              <a:t>        </a:t>
+            </a:r>
+            <a:r>
+              <a:rPr lang="en-US" dirty="0">
+                <a:solidFill>
+                  <a:srgbClr val="0000FF"/>
+                </a:solidFill>
+                <a:latin typeface="Consolas" panose="020B0609020204030204" pitchFamily="49" charset="0"/>
+              </a:rPr>
+              <a:t>let</a:t>
+            </a:r>
+            <a:r>
+              <a:rPr lang="en-US" dirty="0">
+                <a:solidFill>
+                  <a:srgbClr val="000000"/>
+                </a:solidFill>
+                <a:latin typeface="Consolas" panose="020B0609020204030204" pitchFamily="49" charset="0"/>
+              </a:rPr>
+              <a:t> data = </a:t>
+            </a:r>
             <a:r>
               <a:rPr lang="en-US" dirty="0" err="1">
                 <a:solidFill>
@@ -7050,47 +7913,144 @@
                 </a:solidFill>
                 <a:latin typeface="Consolas" panose="020B0609020204030204" pitchFamily="49" charset="0"/>
               </a:rPr>
-              <a:t>mylist.filter</a:t>
-            </a:r>
-            <a:r>
-              <a:rPr lang="en-US" dirty="0">
-                <a:solidFill>
-                  <a:srgbClr val="000000"/>
-                </a:solidFill>
-                <a:latin typeface="Consolas" panose="020B0609020204030204" pitchFamily="49" charset="0"/>
-              </a:rPr>
-              <a:t>(...)</a:t>
-            </a:r>
-          </a:p>
-          <a:p>
+              <a:t>studentMasterTable.get</a:t>
+            </a:r>
+            <a:r>
+              <a:rPr lang="en-US" dirty="0">
+                <a:solidFill>
+                  <a:srgbClr val="000000"/>
+                </a:solidFill>
+                <a:latin typeface="Consolas" panose="020B0609020204030204" pitchFamily="49" charset="0"/>
+              </a:rPr>
+              <a:t>(student)</a:t>
+            </a:r>
+          </a:p>
+          <a:p>
+            <a:r>
+              <a:rPr lang="en-US" dirty="0">
+                <a:solidFill>
+                  <a:srgbClr val="000000"/>
+                </a:solidFill>
+                <a:latin typeface="Consolas" panose="020B0609020204030204" pitchFamily="49" charset="0"/>
+              </a:rPr>
+              <a:t>        </a:t>
+            </a:r>
+            <a:r>
+              <a:rPr lang="en-US" dirty="0">
+                <a:solidFill>
+                  <a:srgbClr val="0000FF"/>
+                </a:solidFill>
+                <a:highlight>
+                  <a:srgbClr val="FFFF00"/>
+                </a:highlight>
+                <a:latin typeface="Consolas" panose="020B0609020204030204" pitchFamily="49" charset="0"/>
+              </a:rPr>
+              <a:t>for</a:t>
+            </a:r>
+            <a:r>
+              <a:rPr lang="en-US" dirty="0">
+                <a:solidFill>
+                  <a:srgbClr val="000000"/>
+                </a:solidFill>
+                <a:highlight>
+                  <a:srgbClr val="FFFF00"/>
+                </a:highlight>
+                <a:latin typeface="Consolas" panose="020B0609020204030204" pitchFamily="49" charset="0"/>
+              </a:rPr>
+              <a:t> (</a:t>
+            </a:r>
+            <a:r>
+              <a:rPr lang="en-US" dirty="0">
+                <a:solidFill>
+                  <a:srgbClr val="0000FF"/>
+                </a:solidFill>
+                <a:highlight>
+                  <a:srgbClr val="FFFF00"/>
+                </a:highlight>
+                <a:latin typeface="Consolas" panose="020B0609020204030204" pitchFamily="49" charset="0"/>
+              </a:rPr>
+              <a:t>let</a:t>
+            </a:r>
+            <a:r>
+              <a:rPr lang="en-US" dirty="0">
+                <a:solidFill>
+                  <a:srgbClr val="000000"/>
+                </a:solidFill>
+                <a:highlight>
+                  <a:srgbClr val="FFFF00"/>
+                </a:highlight>
+                <a:latin typeface="Consolas" panose="020B0609020204030204" pitchFamily="49" charset="0"/>
+              </a:rPr>
+              <a:t> question </a:t>
+            </a:r>
+            <a:r>
+              <a:rPr lang="en-US" dirty="0">
+                <a:solidFill>
+                  <a:srgbClr val="0000FF"/>
+                </a:solidFill>
+                <a:highlight>
+                  <a:srgbClr val="FFFF00"/>
+                </a:highlight>
+                <a:latin typeface="Consolas" panose="020B0609020204030204" pitchFamily="49" charset="0"/>
+              </a:rPr>
+              <a:t>of</a:t>
+            </a:r>
+            <a:r>
+              <a:rPr lang="en-US" dirty="0">
+                <a:solidFill>
+                  <a:srgbClr val="000000"/>
+                </a:solidFill>
+                <a:highlight>
+                  <a:srgbClr val="FFFF00"/>
+                </a:highlight>
+                <a:latin typeface="Consolas" panose="020B0609020204030204" pitchFamily="49" charset="0"/>
+              </a:rPr>
+              <a:t> </a:t>
+            </a:r>
             <a:r>
               <a:rPr lang="en-US" dirty="0" err="1">
                 <a:solidFill>
                   <a:srgbClr val="000000"/>
                 </a:solidFill>
-                <a:latin typeface="Consolas" panose="020B0609020204030204" pitchFamily="49" charset="0"/>
-              </a:rPr>
-              <a:t>mylist.forEach</a:t>
-            </a:r>
-            <a:r>
-              <a:rPr lang="en-US" dirty="0">
-                <a:solidFill>
-                  <a:srgbClr val="000000"/>
-                </a:solidFill>
-                <a:latin typeface="Consolas" panose="020B0609020204030204" pitchFamily="49" charset="0"/>
-              </a:rPr>
-              <a:t>(...)</a:t>
-            </a:r>
-          </a:p>
-          <a:p>
-            <a:br>
-              <a:rPr lang="en-US" dirty="0">
-                <a:solidFill>
-                  <a:srgbClr val="000000"/>
-                </a:solidFill>
-                <a:latin typeface="Consolas" panose="020B0609020204030204" pitchFamily="49" charset="0"/>
-              </a:rPr>
-            </a:br>
+                <a:highlight>
+                  <a:srgbClr val="FFFF00"/>
+                </a:highlight>
+                <a:latin typeface="Consolas" panose="020B0609020204030204" pitchFamily="49" charset="0"/>
+              </a:rPr>
+              <a:t>data.keys</a:t>
+            </a:r>
+            <a:r>
+              <a:rPr lang="en-US" dirty="0">
+                <a:solidFill>
+                  <a:srgbClr val="000000"/>
+                </a:solidFill>
+                <a:highlight>
+                  <a:srgbClr val="FFFF00"/>
+                </a:highlight>
+                <a:latin typeface="Consolas" panose="020B0609020204030204" pitchFamily="49" charset="0"/>
+              </a:rPr>
+              <a:t>()) </a:t>
+            </a:r>
+            <a:r>
+              <a:rPr lang="en-US" dirty="0">
+                <a:solidFill>
+                  <a:srgbClr val="000000"/>
+                </a:solidFill>
+                <a:latin typeface="Consolas" panose="020B0609020204030204" pitchFamily="49" charset="0"/>
+              </a:rPr>
+              <a:t>{</a:t>
+            </a:r>
+          </a:p>
+          <a:p>
+            <a:r>
+              <a:rPr lang="en-US" dirty="0">
+                <a:solidFill>
+                  <a:srgbClr val="000000"/>
+                </a:solidFill>
+                <a:latin typeface="Consolas" panose="020B0609020204030204" pitchFamily="49" charset="0"/>
+              </a:rPr>
+              <a:t>            </a:t>
+            </a:r>
             <a:r>
               <a:rPr lang="en-US" dirty="0">
                 <a:solidFill>
@@ -7098,16 +8058,63 @@
                 </a:solidFill>
                 <a:latin typeface="Consolas" panose="020B0609020204030204" pitchFamily="49" charset="0"/>
               </a:rPr>
-              <a:t>for</a:t>
-            </a:r>
-            <a:r>
-              <a:rPr lang="en-US" dirty="0">
-                <a:solidFill>
-                  <a:srgbClr val="000000"/>
-                </a:solidFill>
-                <a:latin typeface="Consolas" panose="020B0609020204030204" pitchFamily="49" charset="0"/>
-              </a:rPr>
-              <a:t> (s </a:t>
+              <a:t>let</a:t>
+            </a:r>
+            <a:r>
+              <a:rPr lang="en-US" dirty="0">
+                <a:solidFill>
+                  <a:srgbClr val="000000"/>
+                </a:solidFill>
+                <a:latin typeface="Consolas" panose="020B0609020204030204" pitchFamily="49" charset="0"/>
+              </a:rPr>
+              <a:t> </a:t>
+            </a:r>
+            <a:r>
+              <a:rPr lang="en-US" dirty="0" err="1">
+                <a:solidFill>
+                  <a:srgbClr val="000000"/>
+                </a:solidFill>
+                <a:latin typeface="Consolas" panose="020B0609020204030204" pitchFamily="49" charset="0"/>
+              </a:rPr>
+              <a:t>questionData</a:t>
+            </a:r>
+            <a:r>
+              <a:rPr lang="en-US" dirty="0">
+                <a:solidFill>
+                  <a:srgbClr val="000000"/>
+                </a:solidFill>
+                <a:latin typeface="Consolas" panose="020B0609020204030204" pitchFamily="49" charset="0"/>
+              </a:rPr>
+              <a:t> = </a:t>
+            </a:r>
+            <a:r>
+              <a:rPr lang="en-US" dirty="0" err="1">
+                <a:solidFill>
+                  <a:srgbClr val="000000"/>
+                </a:solidFill>
+                <a:latin typeface="Consolas" panose="020B0609020204030204" pitchFamily="49" charset="0"/>
+              </a:rPr>
+              <a:t>data.get</a:t>
+            </a:r>
+            <a:r>
+              <a:rPr lang="en-US" dirty="0">
+                <a:solidFill>
+                  <a:srgbClr val="000000"/>
+                </a:solidFill>
+                <a:latin typeface="Consolas" panose="020B0609020204030204" pitchFamily="49" charset="0"/>
+              </a:rPr>
+              <a:t>(question)</a:t>
+            </a:r>
+          </a:p>
+          <a:p>
+            <a:r>
+              <a:rPr lang="en-US" dirty="0">
+                <a:solidFill>
+                  <a:srgbClr val="000000"/>
+                </a:solidFill>
+                <a:latin typeface="Consolas" panose="020B0609020204030204" pitchFamily="49" charset="0"/>
+              </a:rPr>
+              <a:t>            </a:t>
             </a:r>
             <a:r>
               <a:rPr lang="en-US" dirty="0">
@@ -7116,7 +8123,102 @@
                 </a:solidFill>
                 <a:latin typeface="Consolas" panose="020B0609020204030204" pitchFamily="49" charset="0"/>
               </a:rPr>
-              <a:t>in</a:t>
+              <a:t>let</a:t>
+            </a:r>
+            <a:r>
+              <a:rPr lang="en-US" dirty="0">
+                <a:solidFill>
+                  <a:srgbClr val="000000"/>
+                </a:solidFill>
+                <a:latin typeface="Consolas" panose="020B0609020204030204" pitchFamily="49" charset="0"/>
+              </a:rPr>
+              <a:t> bin = </a:t>
+            </a:r>
+            <a:r>
+              <a:rPr lang="en-US" dirty="0" err="1">
+                <a:solidFill>
+                  <a:srgbClr val="000000"/>
+                </a:solidFill>
+                <a:latin typeface="Consolas" panose="020B0609020204030204" pitchFamily="49" charset="0"/>
+              </a:rPr>
+              <a:t>questionData.bin</a:t>
+            </a:r>
+            <a:endParaRPr lang="en-US" dirty="0">
+              <a:solidFill>
+                <a:srgbClr val="000000"/>
+              </a:solidFill>
+              <a:latin typeface="Consolas" panose="020B0609020204030204" pitchFamily="49" charset="0"/>
+            </a:endParaRPr>
+          </a:p>
+          <a:p>
+            <a:r>
+              <a:rPr lang="en-US" dirty="0">
+                <a:solidFill>
+                  <a:srgbClr val="000000"/>
+                </a:solidFill>
+                <a:latin typeface="Consolas" panose="020B0609020204030204" pitchFamily="49" charset="0"/>
+              </a:rPr>
+              <a:t>            </a:t>
+            </a:r>
+            <a:r>
+              <a:rPr lang="en-US" dirty="0" err="1">
+                <a:solidFill>
+                  <a:srgbClr val="000000"/>
+                </a:solidFill>
+                <a:latin typeface="Consolas" panose="020B0609020204030204" pitchFamily="49" charset="0"/>
+              </a:rPr>
+              <a:t>histo</a:t>
+            </a:r>
+            <a:r>
+              <a:rPr lang="en-US" dirty="0">
+                <a:solidFill>
+                  <a:srgbClr val="000000"/>
+                </a:solidFill>
+                <a:latin typeface="Consolas" panose="020B0609020204030204" pitchFamily="49" charset="0"/>
+              </a:rPr>
+              <a:t>[bin] += ...</a:t>
+            </a:r>
+          </a:p>
+          <a:p>
+            <a:r>
+              <a:rPr lang="en-US" dirty="0">
+                <a:solidFill>
+                  <a:srgbClr val="000000"/>
+                </a:solidFill>
+                <a:latin typeface="Consolas" panose="020B0609020204030204" pitchFamily="49" charset="0"/>
+              </a:rPr>
+              <a:t>        }</a:t>
+            </a:r>
+          </a:p>
+          <a:p>
+            <a:r>
+              <a:rPr lang="en-US" dirty="0">
+                <a:solidFill>
+                  <a:srgbClr val="000000"/>
+                </a:solidFill>
+                <a:latin typeface="Consolas" panose="020B0609020204030204" pitchFamily="49" charset="0"/>
+              </a:rPr>
+              <a:t>    }</a:t>
+            </a:r>
+          </a:p>
+          <a:p>
+            <a:r>
+              <a:rPr lang="en-US" dirty="0">
+                <a:solidFill>
+                  <a:srgbClr val="000000"/>
+                </a:solidFill>
+                <a:latin typeface="Consolas" panose="020B0609020204030204" pitchFamily="49" charset="0"/>
+              </a:rPr>
+              <a:t>    </a:t>
+            </a:r>
+            <a:r>
+              <a:rPr lang="en-US" dirty="0">
+                <a:solidFill>
+                  <a:srgbClr val="0000FF"/>
+                </a:solidFill>
+                <a:latin typeface="Consolas" panose="020B0609020204030204" pitchFamily="49" charset="0"/>
+              </a:rPr>
+              <a:t>return</a:t>
             </a:r>
             <a:r>
               <a:rPr lang="en-US" dirty="0">
@@ -7134,16 +8236,153 @@
                 </a:solidFill>
                 <a:latin typeface="Consolas" panose="020B0609020204030204" pitchFamily="49" charset="0"/>
               </a:rPr>
-              <a:t>mylist</a:t>
-            </a:r>
-            <a:r>
-              <a:rPr lang="en-US" dirty="0">
-                <a:solidFill>
-                  <a:srgbClr val="000000"/>
-                </a:solidFill>
-                <a:latin typeface="Consolas" panose="020B0609020204030204" pitchFamily="49" charset="0"/>
-              </a:rPr>
-              <a:t>) {...}</a:t>
+              <a:t>histo.map</a:t>
+            </a:r>
+            <a:r>
+              <a:rPr lang="en-US" dirty="0">
+                <a:solidFill>
+                  <a:srgbClr val="000000"/>
+                </a:solidFill>
+                <a:latin typeface="Consolas" panose="020B0609020204030204" pitchFamily="49" charset="0"/>
+              </a:rPr>
+              <a:t>(n </a:t>
+            </a:r>
+            <a:r>
+              <a:rPr lang="en-US" dirty="0">
+                <a:solidFill>
+                  <a:srgbClr val="0000FF"/>
+                </a:solidFill>
+                <a:latin typeface="Consolas" panose="020B0609020204030204" pitchFamily="49" charset="0"/>
+              </a:rPr>
+              <a:t>=&gt;</a:t>
+            </a:r>
+            <a:r>
+              <a:rPr lang="en-US" dirty="0">
+                <a:solidFill>
+                  <a:srgbClr val="000000"/>
+                </a:solidFill>
+                <a:latin typeface="Consolas" panose="020B0609020204030204" pitchFamily="49" charset="0"/>
+              </a:rPr>
+              <a:t> n/(</a:t>
+            </a:r>
+            <a:r>
+              <a:rPr lang="en-US" dirty="0" err="1">
+                <a:solidFill>
+                  <a:srgbClr val="000000"/>
+                </a:solidFill>
+                <a:latin typeface="Consolas" panose="020B0609020204030204" pitchFamily="49" charset="0"/>
+              </a:rPr>
+              <a:t>histo</a:t>
+            </a:r>
+            <a:r>
+              <a:rPr lang="en-US" dirty="0">
+                <a:solidFill>
+                  <a:srgbClr val="000000"/>
+                </a:solidFill>
+                <a:latin typeface="Consolas" panose="020B0609020204030204" pitchFamily="49" charset="0"/>
+              </a:rPr>
+              <a:t>[</a:t>
+            </a:r>
+            <a:r>
+              <a:rPr lang="en-US" dirty="0">
+                <a:solidFill>
+                  <a:srgbClr val="098658"/>
+                </a:solidFill>
+                <a:latin typeface="Consolas" panose="020B0609020204030204" pitchFamily="49" charset="0"/>
+              </a:rPr>
+              <a:t>0</a:t>
+            </a:r>
+            <a:r>
+              <a:rPr lang="en-US" dirty="0">
+                <a:solidFill>
+                  <a:srgbClr val="000000"/>
+                </a:solidFill>
+                <a:latin typeface="Consolas" panose="020B0609020204030204" pitchFamily="49" charset="0"/>
+              </a:rPr>
+              <a:t>]+</a:t>
+            </a:r>
+            <a:r>
+              <a:rPr lang="en-US" dirty="0" err="1">
+                <a:solidFill>
+                  <a:srgbClr val="000000"/>
+                </a:solidFill>
+                <a:latin typeface="Consolas" panose="020B0609020204030204" pitchFamily="49" charset="0"/>
+              </a:rPr>
+              <a:t>histo</a:t>
+            </a:r>
+            <a:r>
+              <a:rPr lang="en-US" dirty="0">
+                <a:solidFill>
+                  <a:srgbClr val="000000"/>
+                </a:solidFill>
+                <a:latin typeface="Consolas" panose="020B0609020204030204" pitchFamily="49" charset="0"/>
+              </a:rPr>
+              <a:t>[</a:t>
+            </a:r>
+            <a:r>
+              <a:rPr lang="en-US" dirty="0">
+                <a:solidFill>
+                  <a:srgbClr val="098658"/>
+                </a:solidFill>
+                <a:latin typeface="Consolas" panose="020B0609020204030204" pitchFamily="49" charset="0"/>
+              </a:rPr>
+              <a:t>1</a:t>
+            </a:r>
+            <a:r>
+              <a:rPr lang="en-US" dirty="0">
+                <a:solidFill>
+                  <a:srgbClr val="000000"/>
+                </a:solidFill>
+                <a:latin typeface="Consolas" panose="020B0609020204030204" pitchFamily="49" charset="0"/>
+              </a:rPr>
+              <a:t>]+</a:t>
+            </a:r>
+            <a:r>
+              <a:rPr lang="en-US" dirty="0" err="1">
+                <a:solidFill>
+                  <a:srgbClr val="000000"/>
+                </a:solidFill>
+                <a:latin typeface="Consolas" panose="020B0609020204030204" pitchFamily="49" charset="0"/>
+              </a:rPr>
+              <a:t>histo</a:t>
+            </a:r>
+            <a:r>
+              <a:rPr lang="en-US" dirty="0">
+                <a:solidFill>
+                  <a:srgbClr val="000000"/>
+                </a:solidFill>
+                <a:latin typeface="Consolas" panose="020B0609020204030204" pitchFamily="49" charset="0"/>
+              </a:rPr>
+              <a:t>[</a:t>
+            </a:r>
+            <a:r>
+              <a:rPr lang="en-US" dirty="0">
+                <a:solidFill>
+                  <a:srgbClr val="098658"/>
+                </a:solidFill>
+                <a:latin typeface="Consolas" panose="020B0609020204030204" pitchFamily="49" charset="0"/>
+              </a:rPr>
+              <a:t>2</a:t>
+            </a:r>
+            <a:r>
+              <a:rPr lang="en-US" dirty="0">
+                <a:solidFill>
+                  <a:srgbClr val="000000"/>
+                </a:solidFill>
+                <a:latin typeface="Consolas" panose="020B0609020204030204" pitchFamily="49" charset="0"/>
+              </a:rPr>
+              <a:t>]))</a:t>
+            </a:r>
+          </a:p>
+          <a:p>
+            <a:r>
+              <a:rPr lang="en-US" dirty="0">
+                <a:solidFill>
+                  <a:srgbClr val="000000"/>
+                </a:solidFill>
+                <a:latin typeface="Consolas" panose="020B0609020204030204" pitchFamily="49" charset="0"/>
+              </a:rPr>
+              <a:t>}</a:t>
             </a:r>
             <a:endParaRPr lang="en-US" b="0" dirty="0">
               <a:solidFill>
@@ -7158,7 +8397,7 @@
     </p:spTree>
     <p:extLst>
       <p:ext uri="{BB962C8B-B14F-4D97-AF65-F5344CB8AC3E}">
-        <p14:creationId xmlns:p14="http://schemas.microsoft.com/office/powerpoint/2010/main" val="2311437616"/>
+        <p14:creationId xmlns:p14="http://schemas.microsoft.com/office/powerpoint/2010/main" val="2228231503"/>
       </p:ext>
     </p:extLst>
   </p:cSld>
@@ -7190,7 +8429,7 @@
           <p:cNvPr id="2" name="Title 1">
             <a:extLst>
               <a:ext uri="{FF2B5EF4-FFF2-40B4-BE49-F238E27FC236}">
-                <a16:creationId xmlns:a16="http://schemas.microsoft.com/office/drawing/2014/main" id="{2EBB2A13-9C78-4523-A291-648BD410A5CA}"/>
+                <a16:creationId xmlns:a16="http://schemas.microsoft.com/office/drawing/2014/main" id="{CAFE7E14-B2B6-4EBC-9224-58432C604238}"/>
               </a:ext>
             </a:extLst>
           </p:cNvPr>
@@ -7208,19 +8447,49 @@
           <a:p>
             <a:r>
               <a:rPr lang="en-US" dirty="0"/>
-              <a:t>TypeScript also allows </a:t>
-            </a:r>
-            <a:r>
-              <a:rPr lang="en-US" dirty="0">
-                <a:solidFill>
-                  <a:srgbClr val="FF0000"/>
-                </a:solidFill>
-              </a:rPr>
-              <a:t>iterators</a:t>
-            </a:r>
-            <a:r>
-              <a:rPr lang="en-US" dirty="0"/>
-              <a:t> over Maps</a:t>
+              <a:t>Solution 2: Define an external iterator</a:t>
+            </a:r>
+          </a:p>
+        </p:txBody>
+      </p:sp>
+      <p:sp>
+        <p:nvSpPr>
+          <p:cNvPr id="3" name="Content Placeholder 2">
+            <a:extLst>
+              <a:ext uri="{FF2B5EF4-FFF2-40B4-BE49-F238E27FC236}">
+                <a16:creationId xmlns:a16="http://schemas.microsoft.com/office/drawing/2014/main" id="{A2D3ADAA-D1CC-4E9D-9B08-EF6FDEF3F1CB}"/>
+              </a:ext>
+            </a:extLst>
+          </p:cNvPr>
+          <p:cNvSpPr>
+            <a:spLocks noGrp="1"/>
+          </p:cNvSpPr>
+          <p:nvPr>
+            <p:ph idx="1"/>
+          </p:nvPr>
+        </p:nvSpPr>
+        <p:spPr/>
+        <p:txBody>
+          <a:bodyPr/>
+          <a:lstStyle/>
+          <a:p>
+            <a:r>
+              <a:rPr lang="en-US" dirty="0"/>
+              <a:t>In TypeScript, there are ways of creating iterators that integrate with things like </a:t>
+            </a:r>
+            <a:r>
+              <a:rPr lang="en-US" b="1" dirty="0"/>
+              <a:t>for</a:t>
+            </a:r>
+            <a:r>
+              <a:rPr lang="en-US" dirty="0"/>
+              <a:t>.</a:t>
+            </a:r>
+          </a:p>
+          <a:p>
+            <a:r>
+              <a:rPr lang="en-US" dirty="0"/>
+              <a:t>Alas, these are way too complicated for us to do right now.</a:t>
             </a:r>
           </a:p>
         </p:txBody>
@@ -7230,7 +8499,7 @@
           <p:cNvPr id="4" name="Slide Number Placeholder 3">
             <a:extLst>
               <a:ext uri="{FF2B5EF4-FFF2-40B4-BE49-F238E27FC236}">
-                <a16:creationId xmlns:a16="http://schemas.microsoft.com/office/drawing/2014/main" id="{2ADDDCCF-445D-4BC1-92C4-4A7A20A2F0E3}"/>
+                <a16:creationId xmlns:a16="http://schemas.microsoft.com/office/drawing/2014/main" id="{880EEDF2-1EF6-4171-8C2F-EAD7435CAF4D}"/>
               </a:ext>
             </a:extLst>
           </p:cNvPr>
@@ -7254,940 +8523,10 @@
           </a:p>
         </p:txBody>
       </p:sp>
-      <p:sp>
-        <p:nvSpPr>
-          <p:cNvPr id="5" name="Rectangle 4">
-            <a:extLst>
-              <a:ext uri="{FF2B5EF4-FFF2-40B4-BE49-F238E27FC236}">
-                <a16:creationId xmlns:a16="http://schemas.microsoft.com/office/drawing/2014/main" id="{6A2C2717-E9E1-42A1-B113-C2AAC98A4B46}"/>
-              </a:ext>
-            </a:extLst>
-          </p:cNvPr>
-          <p:cNvSpPr/>
-          <p:nvPr/>
-        </p:nvSpPr>
-        <p:spPr>
-          <a:xfrm>
-            <a:off x="838200" y="1538122"/>
-            <a:ext cx="8305800" cy="3970318"/>
-          </a:xfrm>
-          <a:prstGeom prst="rect">
-            <a:avLst/>
-          </a:prstGeom>
-        </p:spPr>
-        <p:txBody>
-          <a:bodyPr wrap="square">
-            <a:spAutoFit/>
-          </a:bodyPr>
-          <a:lstStyle/>
-          <a:p>
-            <a:r>
-              <a:rPr lang="en-US" dirty="0">
-                <a:solidFill>
-                  <a:srgbClr val="0000FF"/>
-                </a:solidFill>
-                <a:latin typeface="Consolas" panose="020B0609020204030204" pitchFamily="49" charset="0"/>
-              </a:rPr>
-              <a:t>type</a:t>
-            </a:r>
-            <a:r>
-              <a:rPr lang="en-US" dirty="0">
-                <a:solidFill>
-                  <a:srgbClr val="000000"/>
-                </a:solidFill>
-                <a:latin typeface="Consolas" panose="020B0609020204030204" pitchFamily="49" charset="0"/>
-              </a:rPr>
-              <a:t> </a:t>
-            </a:r>
-            <a:r>
-              <a:rPr lang="en-US" dirty="0" err="1">
-                <a:solidFill>
-                  <a:srgbClr val="000000"/>
-                </a:solidFill>
-                <a:latin typeface="Consolas" panose="020B0609020204030204" pitchFamily="49" charset="0"/>
-              </a:rPr>
-              <a:t>StudentTableOut</a:t>
-            </a:r>
-            <a:r>
-              <a:rPr lang="en-US" dirty="0">
-                <a:solidFill>
-                  <a:srgbClr val="000000"/>
-                </a:solidFill>
-                <a:latin typeface="Consolas" panose="020B0609020204030204" pitchFamily="49" charset="0"/>
-              </a:rPr>
-              <a:t> = </a:t>
-            </a:r>
-            <a:r>
-              <a:rPr lang="en-US" dirty="0">
-                <a:solidFill>
-                  <a:srgbClr val="000000"/>
-                </a:solidFill>
-                <a:highlight>
-                  <a:srgbClr val="FFFF00"/>
-                </a:highlight>
-                <a:latin typeface="Consolas" panose="020B0609020204030204" pitchFamily="49" charset="0"/>
-              </a:rPr>
-              <a:t>Map&lt;</a:t>
-            </a:r>
-            <a:r>
-              <a:rPr lang="en-US" dirty="0" err="1">
-                <a:solidFill>
-                  <a:srgbClr val="000000"/>
-                </a:solidFill>
-                <a:highlight>
-                  <a:srgbClr val="FFFF00"/>
-                </a:highlight>
-                <a:latin typeface="Consolas" panose="020B0609020204030204" pitchFamily="49" charset="0"/>
-              </a:rPr>
-              <a:t>StudentId,StudentDataOut</a:t>
-            </a:r>
-            <a:r>
-              <a:rPr lang="en-US" dirty="0">
-                <a:solidFill>
-                  <a:srgbClr val="000000"/>
-                </a:solidFill>
-                <a:highlight>
-                  <a:srgbClr val="FFFF00"/>
-                </a:highlight>
-                <a:latin typeface="Consolas" panose="020B0609020204030204" pitchFamily="49" charset="0"/>
-              </a:rPr>
-              <a:t>&gt;</a:t>
-            </a:r>
-          </a:p>
-          <a:p>
-            <a:br>
-              <a:rPr lang="en-US" dirty="0">
-                <a:solidFill>
-                  <a:srgbClr val="000000"/>
-                </a:solidFill>
-                <a:latin typeface="Consolas" panose="020B0609020204030204" pitchFamily="49" charset="0"/>
-              </a:rPr>
-            </a:br>
-            <a:r>
-              <a:rPr lang="en-US" dirty="0">
-                <a:solidFill>
-                  <a:srgbClr val="0000FF"/>
-                </a:solidFill>
-                <a:latin typeface="Consolas" panose="020B0609020204030204" pitchFamily="49" charset="0"/>
-              </a:rPr>
-              <a:t>function</a:t>
-            </a:r>
-            <a:r>
-              <a:rPr lang="en-US" dirty="0">
-                <a:solidFill>
-                  <a:srgbClr val="000000"/>
-                </a:solidFill>
-                <a:latin typeface="Consolas" panose="020B0609020204030204" pitchFamily="49" charset="0"/>
-              </a:rPr>
-              <a:t> </a:t>
-            </a:r>
-            <a:r>
-              <a:rPr lang="en-US" dirty="0" err="1">
-                <a:solidFill>
-                  <a:srgbClr val="000000"/>
-                </a:solidFill>
-                <a:latin typeface="Consolas" panose="020B0609020204030204" pitchFamily="49" charset="0"/>
-              </a:rPr>
-              <a:t>countAllBins</a:t>
-            </a:r>
-            <a:r>
-              <a:rPr lang="en-US" dirty="0">
-                <a:solidFill>
-                  <a:srgbClr val="000000"/>
-                </a:solidFill>
-                <a:latin typeface="Consolas" panose="020B0609020204030204" pitchFamily="49" charset="0"/>
-              </a:rPr>
-              <a:t> (</a:t>
-            </a:r>
-            <a:r>
-              <a:rPr lang="en-US" dirty="0" err="1">
-                <a:solidFill>
-                  <a:srgbClr val="000000"/>
-                </a:solidFill>
-                <a:latin typeface="Consolas" panose="020B0609020204030204" pitchFamily="49" charset="0"/>
-              </a:rPr>
-              <a:t>studentMasterTable</a:t>
-            </a:r>
-            <a:r>
-              <a:rPr lang="en-US" dirty="0">
-                <a:solidFill>
-                  <a:srgbClr val="000000"/>
-                </a:solidFill>
-                <a:latin typeface="Consolas" panose="020B0609020204030204" pitchFamily="49" charset="0"/>
-              </a:rPr>
-              <a:t>: </a:t>
-            </a:r>
-            <a:r>
-              <a:rPr lang="en-US" dirty="0" err="1">
-                <a:solidFill>
-                  <a:srgbClr val="000000"/>
-                </a:solidFill>
-                <a:latin typeface="Consolas" panose="020B0609020204030204" pitchFamily="49" charset="0"/>
-              </a:rPr>
-              <a:t>StudentTableOut</a:t>
-            </a:r>
-            <a:r>
-              <a:rPr lang="en-US" dirty="0">
-                <a:solidFill>
-                  <a:srgbClr val="000000"/>
-                </a:solidFill>
-                <a:latin typeface="Consolas" panose="020B0609020204030204" pitchFamily="49" charset="0"/>
-              </a:rPr>
-              <a:t>) {</a:t>
-            </a:r>
-          </a:p>
-          <a:p>
-            <a:r>
-              <a:rPr lang="en-US" dirty="0">
-                <a:solidFill>
-                  <a:srgbClr val="000000"/>
-                </a:solidFill>
-                <a:latin typeface="Consolas" panose="020B0609020204030204" pitchFamily="49" charset="0"/>
-              </a:rPr>
-              <a:t>    </a:t>
-            </a:r>
-            <a:r>
-              <a:rPr lang="en-US" dirty="0">
-                <a:solidFill>
-                  <a:srgbClr val="0000FF"/>
-                </a:solidFill>
-                <a:latin typeface="Consolas" panose="020B0609020204030204" pitchFamily="49" charset="0"/>
-              </a:rPr>
-              <a:t>let</a:t>
-            </a:r>
-            <a:r>
-              <a:rPr lang="en-US" dirty="0">
-                <a:solidFill>
-                  <a:srgbClr val="000000"/>
-                </a:solidFill>
-                <a:latin typeface="Consolas" panose="020B0609020204030204" pitchFamily="49" charset="0"/>
-              </a:rPr>
-              <a:t> </a:t>
-            </a:r>
-            <a:r>
-              <a:rPr lang="en-US" dirty="0" err="1">
-                <a:solidFill>
-                  <a:srgbClr val="000000"/>
-                </a:solidFill>
-                <a:latin typeface="Consolas" panose="020B0609020204030204" pitchFamily="49" charset="0"/>
-              </a:rPr>
-              <a:t>histo</a:t>
-            </a:r>
-            <a:r>
-              <a:rPr lang="en-US" dirty="0">
-                <a:solidFill>
-                  <a:srgbClr val="000000"/>
-                </a:solidFill>
-                <a:latin typeface="Consolas" panose="020B0609020204030204" pitchFamily="49" charset="0"/>
-              </a:rPr>
-              <a:t> = [</a:t>
-            </a:r>
-            <a:r>
-              <a:rPr lang="en-US" dirty="0">
-                <a:solidFill>
-                  <a:srgbClr val="098658"/>
-                </a:solidFill>
-                <a:latin typeface="Consolas" panose="020B0609020204030204" pitchFamily="49" charset="0"/>
-              </a:rPr>
-              <a:t>0</a:t>
-            </a:r>
-            <a:r>
-              <a:rPr lang="en-US" dirty="0">
-                <a:solidFill>
-                  <a:srgbClr val="000000"/>
-                </a:solidFill>
-                <a:latin typeface="Consolas" panose="020B0609020204030204" pitchFamily="49" charset="0"/>
-              </a:rPr>
-              <a:t>,</a:t>
-            </a:r>
-            <a:r>
-              <a:rPr lang="en-US" dirty="0">
-                <a:solidFill>
-                  <a:srgbClr val="098658"/>
-                </a:solidFill>
-                <a:latin typeface="Consolas" panose="020B0609020204030204" pitchFamily="49" charset="0"/>
-              </a:rPr>
-              <a:t>0</a:t>
-            </a:r>
-            <a:r>
-              <a:rPr lang="en-US" dirty="0">
-                <a:solidFill>
-                  <a:srgbClr val="000000"/>
-                </a:solidFill>
-                <a:latin typeface="Consolas" panose="020B0609020204030204" pitchFamily="49" charset="0"/>
-              </a:rPr>
-              <a:t>,</a:t>
-            </a:r>
-            <a:r>
-              <a:rPr lang="en-US" dirty="0">
-                <a:solidFill>
-                  <a:srgbClr val="098658"/>
-                </a:solidFill>
-                <a:latin typeface="Consolas" panose="020B0609020204030204" pitchFamily="49" charset="0"/>
-              </a:rPr>
-              <a:t>0</a:t>
-            </a:r>
-            <a:r>
-              <a:rPr lang="en-US" dirty="0">
-                <a:solidFill>
-                  <a:srgbClr val="000000"/>
-                </a:solidFill>
-                <a:latin typeface="Consolas" panose="020B0609020204030204" pitchFamily="49" charset="0"/>
-              </a:rPr>
-              <a:t>] </a:t>
-            </a:r>
-            <a:r>
-              <a:rPr lang="en-US" dirty="0">
-                <a:solidFill>
-                  <a:srgbClr val="098658"/>
-                </a:solidFill>
-                <a:latin typeface="Consolas" panose="020B0609020204030204" pitchFamily="49" charset="0"/>
-              </a:rPr>
-              <a:t>  // a histogram with 3 bins</a:t>
-            </a:r>
-            <a:endParaRPr lang="en-US" dirty="0">
-              <a:solidFill>
-                <a:srgbClr val="000000"/>
-              </a:solidFill>
-              <a:latin typeface="Consolas" panose="020B0609020204030204" pitchFamily="49" charset="0"/>
-            </a:endParaRPr>
-          </a:p>
-          <a:p>
-            <a:r>
-              <a:rPr lang="en-US" dirty="0">
-                <a:solidFill>
-                  <a:srgbClr val="000000"/>
-                </a:solidFill>
-                <a:latin typeface="Consolas" panose="020B0609020204030204" pitchFamily="49" charset="0"/>
-              </a:rPr>
-              <a:t>    </a:t>
-            </a:r>
-            <a:r>
-              <a:rPr lang="en-US" dirty="0">
-                <a:solidFill>
-                  <a:srgbClr val="0000FF"/>
-                </a:solidFill>
-                <a:highlight>
-                  <a:srgbClr val="FFFF00"/>
-                </a:highlight>
-                <a:latin typeface="Consolas" panose="020B0609020204030204" pitchFamily="49" charset="0"/>
-              </a:rPr>
-              <a:t>for</a:t>
-            </a:r>
-            <a:r>
-              <a:rPr lang="en-US" dirty="0">
-                <a:solidFill>
-                  <a:srgbClr val="000000"/>
-                </a:solidFill>
-                <a:highlight>
-                  <a:srgbClr val="FFFF00"/>
-                </a:highlight>
-                <a:latin typeface="Consolas" panose="020B0609020204030204" pitchFamily="49" charset="0"/>
-              </a:rPr>
-              <a:t> (</a:t>
-            </a:r>
-            <a:r>
-              <a:rPr lang="en-US" dirty="0">
-                <a:solidFill>
-                  <a:srgbClr val="0000FF"/>
-                </a:solidFill>
-                <a:highlight>
-                  <a:srgbClr val="FFFF00"/>
-                </a:highlight>
-                <a:latin typeface="Consolas" panose="020B0609020204030204" pitchFamily="49" charset="0"/>
-              </a:rPr>
-              <a:t>let</a:t>
-            </a:r>
-            <a:r>
-              <a:rPr lang="en-US" dirty="0">
-                <a:solidFill>
-                  <a:srgbClr val="000000"/>
-                </a:solidFill>
-                <a:highlight>
-                  <a:srgbClr val="FFFF00"/>
-                </a:highlight>
-                <a:latin typeface="Consolas" panose="020B0609020204030204" pitchFamily="49" charset="0"/>
-              </a:rPr>
-              <a:t> student </a:t>
-            </a:r>
-            <a:r>
-              <a:rPr lang="en-US" dirty="0">
-                <a:solidFill>
-                  <a:srgbClr val="0000FF"/>
-                </a:solidFill>
-                <a:highlight>
-                  <a:srgbClr val="FFFF00"/>
-                </a:highlight>
-                <a:latin typeface="Consolas" panose="020B0609020204030204" pitchFamily="49" charset="0"/>
-              </a:rPr>
-              <a:t>of</a:t>
-            </a:r>
-            <a:r>
-              <a:rPr lang="en-US" dirty="0">
-                <a:solidFill>
-                  <a:srgbClr val="000000"/>
-                </a:solidFill>
-                <a:highlight>
-                  <a:srgbClr val="FFFF00"/>
-                </a:highlight>
-                <a:latin typeface="Consolas" panose="020B0609020204030204" pitchFamily="49" charset="0"/>
-              </a:rPr>
-              <a:t> </a:t>
-            </a:r>
-            <a:r>
-              <a:rPr lang="en-US" dirty="0" err="1">
-                <a:solidFill>
-                  <a:srgbClr val="000000"/>
-                </a:solidFill>
-                <a:highlight>
-                  <a:srgbClr val="FFFF00"/>
-                </a:highlight>
-                <a:latin typeface="Consolas" panose="020B0609020204030204" pitchFamily="49" charset="0"/>
-              </a:rPr>
-              <a:t>studentMasterTable.keys</a:t>
-            </a:r>
-            <a:r>
-              <a:rPr lang="en-US" dirty="0">
-                <a:solidFill>
-                  <a:srgbClr val="000000"/>
-                </a:solidFill>
-                <a:highlight>
-                  <a:srgbClr val="FFFF00"/>
-                </a:highlight>
-                <a:latin typeface="Consolas" panose="020B0609020204030204" pitchFamily="49" charset="0"/>
-              </a:rPr>
-              <a:t>()) </a:t>
-            </a:r>
-            <a:r>
-              <a:rPr lang="en-US" dirty="0">
-                <a:solidFill>
-                  <a:srgbClr val="000000"/>
-                </a:solidFill>
-                <a:latin typeface="Consolas" panose="020B0609020204030204" pitchFamily="49" charset="0"/>
-              </a:rPr>
-              <a:t>{</a:t>
-            </a:r>
-          </a:p>
-          <a:p>
-            <a:r>
-              <a:rPr lang="en-US" dirty="0">
-                <a:solidFill>
-                  <a:srgbClr val="000000"/>
-                </a:solidFill>
-                <a:latin typeface="Consolas" panose="020B0609020204030204" pitchFamily="49" charset="0"/>
-              </a:rPr>
-              <a:t>        </a:t>
-            </a:r>
-            <a:r>
-              <a:rPr lang="en-US" dirty="0">
-                <a:solidFill>
-                  <a:srgbClr val="0000FF"/>
-                </a:solidFill>
-                <a:latin typeface="Consolas" panose="020B0609020204030204" pitchFamily="49" charset="0"/>
-              </a:rPr>
-              <a:t>let</a:t>
-            </a:r>
-            <a:r>
-              <a:rPr lang="en-US" dirty="0">
-                <a:solidFill>
-                  <a:srgbClr val="000000"/>
-                </a:solidFill>
-                <a:latin typeface="Consolas" panose="020B0609020204030204" pitchFamily="49" charset="0"/>
-              </a:rPr>
-              <a:t> data = </a:t>
-            </a:r>
-            <a:r>
-              <a:rPr lang="en-US" dirty="0" err="1">
-                <a:solidFill>
-                  <a:srgbClr val="000000"/>
-                </a:solidFill>
-                <a:latin typeface="Consolas" panose="020B0609020204030204" pitchFamily="49" charset="0"/>
-              </a:rPr>
-              <a:t>studentMasterTable.get</a:t>
-            </a:r>
-            <a:r>
-              <a:rPr lang="en-US" dirty="0">
-                <a:solidFill>
-                  <a:srgbClr val="000000"/>
-                </a:solidFill>
-                <a:latin typeface="Consolas" panose="020B0609020204030204" pitchFamily="49" charset="0"/>
-              </a:rPr>
-              <a:t>(student)</a:t>
-            </a:r>
-          </a:p>
-          <a:p>
-            <a:r>
-              <a:rPr lang="en-US" dirty="0">
-                <a:solidFill>
-                  <a:srgbClr val="000000"/>
-                </a:solidFill>
-                <a:latin typeface="Consolas" panose="020B0609020204030204" pitchFamily="49" charset="0"/>
-              </a:rPr>
-              <a:t>        </a:t>
-            </a:r>
-            <a:r>
-              <a:rPr lang="en-US" dirty="0">
-                <a:solidFill>
-                  <a:srgbClr val="0000FF"/>
-                </a:solidFill>
-                <a:highlight>
-                  <a:srgbClr val="FFFF00"/>
-                </a:highlight>
-                <a:latin typeface="Consolas" panose="020B0609020204030204" pitchFamily="49" charset="0"/>
-              </a:rPr>
-              <a:t>for</a:t>
-            </a:r>
-            <a:r>
-              <a:rPr lang="en-US" dirty="0">
-                <a:solidFill>
-                  <a:srgbClr val="000000"/>
-                </a:solidFill>
-                <a:highlight>
-                  <a:srgbClr val="FFFF00"/>
-                </a:highlight>
-                <a:latin typeface="Consolas" panose="020B0609020204030204" pitchFamily="49" charset="0"/>
-              </a:rPr>
-              <a:t> (</a:t>
-            </a:r>
-            <a:r>
-              <a:rPr lang="en-US" dirty="0">
-                <a:solidFill>
-                  <a:srgbClr val="0000FF"/>
-                </a:solidFill>
-                <a:highlight>
-                  <a:srgbClr val="FFFF00"/>
-                </a:highlight>
-                <a:latin typeface="Consolas" panose="020B0609020204030204" pitchFamily="49" charset="0"/>
-              </a:rPr>
-              <a:t>let</a:t>
-            </a:r>
-            <a:r>
-              <a:rPr lang="en-US" dirty="0">
-                <a:solidFill>
-                  <a:srgbClr val="000000"/>
-                </a:solidFill>
-                <a:highlight>
-                  <a:srgbClr val="FFFF00"/>
-                </a:highlight>
-                <a:latin typeface="Consolas" panose="020B0609020204030204" pitchFamily="49" charset="0"/>
-              </a:rPr>
-              <a:t> question </a:t>
-            </a:r>
-            <a:r>
-              <a:rPr lang="en-US" dirty="0">
-                <a:solidFill>
-                  <a:srgbClr val="0000FF"/>
-                </a:solidFill>
-                <a:highlight>
-                  <a:srgbClr val="FFFF00"/>
-                </a:highlight>
-                <a:latin typeface="Consolas" panose="020B0609020204030204" pitchFamily="49" charset="0"/>
-              </a:rPr>
-              <a:t>of</a:t>
-            </a:r>
-            <a:r>
-              <a:rPr lang="en-US" dirty="0">
-                <a:solidFill>
-                  <a:srgbClr val="000000"/>
-                </a:solidFill>
-                <a:highlight>
-                  <a:srgbClr val="FFFF00"/>
-                </a:highlight>
-                <a:latin typeface="Consolas" panose="020B0609020204030204" pitchFamily="49" charset="0"/>
-              </a:rPr>
-              <a:t> </a:t>
-            </a:r>
-            <a:r>
-              <a:rPr lang="en-US" dirty="0" err="1">
-                <a:solidFill>
-                  <a:srgbClr val="000000"/>
-                </a:solidFill>
-                <a:highlight>
-                  <a:srgbClr val="FFFF00"/>
-                </a:highlight>
-                <a:latin typeface="Consolas" panose="020B0609020204030204" pitchFamily="49" charset="0"/>
-              </a:rPr>
-              <a:t>data.keys</a:t>
-            </a:r>
-            <a:r>
-              <a:rPr lang="en-US" dirty="0">
-                <a:solidFill>
-                  <a:srgbClr val="000000"/>
-                </a:solidFill>
-                <a:highlight>
-                  <a:srgbClr val="FFFF00"/>
-                </a:highlight>
-                <a:latin typeface="Consolas" panose="020B0609020204030204" pitchFamily="49" charset="0"/>
-              </a:rPr>
-              <a:t>()) </a:t>
-            </a:r>
-            <a:r>
-              <a:rPr lang="en-US" dirty="0">
-                <a:solidFill>
-                  <a:srgbClr val="000000"/>
-                </a:solidFill>
-                <a:latin typeface="Consolas" panose="020B0609020204030204" pitchFamily="49" charset="0"/>
-              </a:rPr>
-              <a:t>{</a:t>
-            </a:r>
-          </a:p>
-          <a:p>
-            <a:r>
-              <a:rPr lang="en-US" dirty="0">
-                <a:solidFill>
-                  <a:srgbClr val="000000"/>
-                </a:solidFill>
-                <a:latin typeface="Consolas" panose="020B0609020204030204" pitchFamily="49" charset="0"/>
-              </a:rPr>
-              <a:t>            </a:t>
-            </a:r>
-            <a:r>
-              <a:rPr lang="en-US" dirty="0">
-                <a:solidFill>
-                  <a:srgbClr val="0000FF"/>
-                </a:solidFill>
-                <a:latin typeface="Consolas" panose="020B0609020204030204" pitchFamily="49" charset="0"/>
-              </a:rPr>
-              <a:t>let</a:t>
-            </a:r>
-            <a:r>
-              <a:rPr lang="en-US" dirty="0">
-                <a:solidFill>
-                  <a:srgbClr val="000000"/>
-                </a:solidFill>
-                <a:latin typeface="Consolas" panose="020B0609020204030204" pitchFamily="49" charset="0"/>
-              </a:rPr>
-              <a:t> </a:t>
-            </a:r>
-            <a:r>
-              <a:rPr lang="en-US" dirty="0" err="1">
-                <a:solidFill>
-                  <a:srgbClr val="000000"/>
-                </a:solidFill>
-                <a:latin typeface="Consolas" panose="020B0609020204030204" pitchFamily="49" charset="0"/>
-              </a:rPr>
-              <a:t>questionData</a:t>
-            </a:r>
-            <a:r>
-              <a:rPr lang="en-US" dirty="0">
-                <a:solidFill>
-                  <a:srgbClr val="000000"/>
-                </a:solidFill>
-                <a:latin typeface="Consolas" panose="020B0609020204030204" pitchFamily="49" charset="0"/>
-              </a:rPr>
-              <a:t> = </a:t>
-            </a:r>
-            <a:r>
-              <a:rPr lang="en-US" dirty="0" err="1">
-                <a:solidFill>
-                  <a:srgbClr val="000000"/>
-                </a:solidFill>
-                <a:latin typeface="Consolas" panose="020B0609020204030204" pitchFamily="49" charset="0"/>
-              </a:rPr>
-              <a:t>data.get</a:t>
-            </a:r>
-            <a:r>
-              <a:rPr lang="en-US" dirty="0">
-                <a:solidFill>
-                  <a:srgbClr val="000000"/>
-                </a:solidFill>
-                <a:latin typeface="Consolas" panose="020B0609020204030204" pitchFamily="49" charset="0"/>
-              </a:rPr>
-              <a:t>(question)</a:t>
-            </a:r>
-          </a:p>
-          <a:p>
-            <a:r>
-              <a:rPr lang="en-US" dirty="0">
-                <a:solidFill>
-                  <a:srgbClr val="000000"/>
-                </a:solidFill>
-                <a:latin typeface="Consolas" panose="020B0609020204030204" pitchFamily="49" charset="0"/>
-              </a:rPr>
-              <a:t>            </a:t>
-            </a:r>
-            <a:r>
-              <a:rPr lang="en-US" dirty="0">
-                <a:solidFill>
-                  <a:srgbClr val="0000FF"/>
-                </a:solidFill>
-                <a:latin typeface="Consolas" panose="020B0609020204030204" pitchFamily="49" charset="0"/>
-              </a:rPr>
-              <a:t>let</a:t>
-            </a:r>
-            <a:r>
-              <a:rPr lang="en-US" dirty="0">
-                <a:solidFill>
-                  <a:srgbClr val="000000"/>
-                </a:solidFill>
-                <a:latin typeface="Consolas" panose="020B0609020204030204" pitchFamily="49" charset="0"/>
-              </a:rPr>
-              <a:t> bin = </a:t>
-            </a:r>
-            <a:r>
-              <a:rPr lang="en-US" dirty="0" err="1">
-                <a:solidFill>
-                  <a:srgbClr val="000000"/>
-                </a:solidFill>
-                <a:latin typeface="Consolas" panose="020B0609020204030204" pitchFamily="49" charset="0"/>
-              </a:rPr>
-              <a:t>questionData.bin</a:t>
-            </a:r>
-            <a:endParaRPr lang="en-US" dirty="0">
-              <a:solidFill>
-                <a:srgbClr val="000000"/>
-              </a:solidFill>
-              <a:latin typeface="Consolas" panose="020B0609020204030204" pitchFamily="49" charset="0"/>
-            </a:endParaRPr>
-          </a:p>
-          <a:p>
-            <a:r>
-              <a:rPr lang="en-US" dirty="0">
-                <a:solidFill>
-                  <a:srgbClr val="000000"/>
-                </a:solidFill>
-                <a:latin typeface="Consolas" panose="020B0609020204030204" pitchFamily="49" charset="0"/>
-              </a:rPr>
-              <a:t>            </a:t>
-            </a:r>
-            <a:r>
-              <a:rPr lang="en-US" dirty="0" err="1">
-                <a:solidFill>
-                  <a:srgbClr val="000000"/>
-                </a:solidFill>
-                <a:latin typeface="Consolas" panose="020B0609020204030204" pitchFamily="49" charset="0"/>
-              </a:rPr>
-              <a:t>histo</a:t>
-            </a:r>
-            <a:r>
-              <a:rPr lang="en-US" dirty="0">
-                <a:solidFill>
-                  <a:srgbClr val="000000"/>
-                </a:solidFill>
-                <a:latin typeface="Consolas" panose="020B0609020204030204" pitchFamily="49" charset="0"/>
-              </a:rPr>
-              <a:t>[bin] += ...</a:t>
-            </a:r>
-          </a:p>
-          <a:p>
-            <a:r>
-              <a:rPr lang="en-US" dirty="0">
-                <a:solidFill>
-                  <a:srgbClr val="000000"/>
-                </a:solidFill>
-                <a:latin typeface="Consolas" panose="020B0609020204030204" pitchFamily="49" charset="0"/>
-              </a:rPr>
-              <a:t>        }</a:t>
-            </a:r>
-          </a:p>
-          <a:p>
-            <a:r>
-              <a:rPr lang="en-US" dirty="0">
-                <a:solidFill>
-                  <a:srgbClr val="000000"/>
-                </a:solidFill>
-                <a:latin typeface="Consolas" panose="020B0609020204030204" pitchFamily="49" charset="0"/>
-              </a:rPr>
-              <a:t>    }</a:t>
-            </a:r>
-          </a:p>
-          <a:p>
-            <a:r>
-              <a:rPr lang="en-US" dirty="0">
-                <a:solidFill>
-                  <a:srgbClr val="000000"/>
-                </a:solidFill>
-                <a:latin typeface="Consolas" panose="020B0609020204030204" pitchFamily="49" charset="0"/>
-              </a:rPr>
-              <a:t>    </a:t>
-            </a:r>
-            <a:r>
-              <a:rPr lang="en-US" dirty="0">
-                <a:solidFill>
-                  <a:srgbClr val="0000FF"/>
-                </a:solidFill>
-                <a:latin typeface="Consolas" panose="020B0609020204030204" pitchFamily="49" charset="0"/>
-              </a:rPr>
-              <a:t>return</a:t>
-            </a:r>
-            <a:r>
-              <a:rPr lang="en-US" dirty="0">
-                <a:solidFill>
-                  <a:srgbClr val="000000"/>
-                </a:solidFill>
-                <a:latin typeface="Consolas" panose="020B0609020204030204" pitchFamily="49" charset="0"/>
-              </a:rPr>
-              <a:t> </a:t>
-            </a:r>
-            <a:r>
-              <a:rPr lang="en-US" dirty="0" err="1">
-                <a:solidFill>
-                  <a:srgbClr val="000000"/>
-                </a:solidFill>
-                <a:latin typeface="Consolas" panose="020B0609020204030204" pitchFamily="49" charset="0"/>
-              </a:rPr>
-              <a:t>histo.map</a:t>
-            </a:r>
-            <a:r>
-              <a:rPr lang="en-US" dirty="0">
-                <a:solidFill>
-                  <a:srgbClr val="000000"/>
-                </a:solidFill>
-                <a:latin typeface="Consolas" panose="020B0609020204030204" pitchFamily="49" charset="0"/>
-              </a:rPr>
-              <a:t>(n </a:t>
-            </a:r>
-            <a:r>
-              <a:rPr lang="en-US" dirty="0">
-                <a:solidFill>
-                  <a:srgbClr val="0000FF"/>
-                </a:solidFill>
-                <a:latin typeface="Consolas" panose="020B0609020204030204" pitchFamily="49" charset="0"/>
-              </a:rPr>
-              <a:t>=&gt;</a:t>
-            </a:r>
-            <a:r>
-              <a:rPr lang="en-US" dirty="0">
-                <a:solidFill>
-                  <a:srgbClr val="000000"/>
-                </a:solidFill>
-                <a:latin typeface="Consolas" panose="020B0609020204030204" pitchFamily="49" charset="0"/>
-              </a:rPr>
-              <a:t> n/(</a:t>
-            </a:r>
-            <a:r>
-              <a:rPr lang="en-US" dirty="0" err="1">
-                <a:solidFill>
-                  <a:srgbClr val="000000"/>
-                </a:solidFill>
-                <a:latin typeface="Consolas" panose="020B0609020204030204" pitchFamily="49" charset="0"/>
-              </a:rPr>
-              <a:t>histo</a:t>
-            </a:r>
-            <a:r>
-              <a:rPr lang="en-US" dirty="0">
-                <a:solidFill>
-                  <a:srgbClr val="000000"/>
-                </a:solidFill>
-                <a:latin typeface="Consolas" panose="020B0609020204030204" pitchFamily="49" charset="0"/>
-              </a:rPr>
-              <a:t>[</a:t>
-            </a:r>
-            <a:r>
-              <a:rPr lang="en-US" dirty="0">
-                <a:solidFill>
-                  <a:srgbClr val="098658"/>
-                </a:solidFill>
-                <a:latin typeface="Consolas" panose="020B0609020204030204" pitchFamily="49" charset="0"/>
-              </a:rPr>
-              <a:t>0</a:t>
-            </a:r>
-            <a:r>
-              <a:rPr lang="en-US" dirty="0">
-                <a:solidFill>
-                  <a:srgbClr val="000000"/>
-                </a:solidFill>
-                <a:latin typeface="Consolas" panose="020B0609020204030204" pitchFamily="49" charset="0"/>
-              </a:rPr>
-              <a:t>]+</a:t>
-            </a:r>
-            <a:r>
-              <a:rPr lang="en-US" dirty="0" err="1">
-                <a:solidFill>
-                  <a:srgbClr val="000000"/>
-                </a:solidFill>
-                <a:latin typeface="Consolas" panose="020B0609020204030204" pitchFamily="49" charset="0"/>
-              </a:rPr>
-              <a:t>histo</a:t>
-            </a:r>
-            <a:r>
-              <a:rPr lang="en-US" dirty="0">
-                <a:solidFill>
-                  <a:srgbClr val="000000"/>
-                </a:solidFill>
-                <a:latin typeface="Consolas" panose="020B0609020204030204" pitchFamily="49" charset="0"/>
-              </a:rPr>
-              <a:t>[</a:t>
-            </a:r>
-            <a:r>
-              <a:rPr lang="en-US" dirty="0">
-                <a:solidFill>
-                  <a:srgbClr val="098658"/>
-                </a:solidFill>
-                <a:latin typeface="Consolas" panose="020B0609020204030204" pitchFamily="49" charset="0"/>
-              </a:rPr>
-              <a:t>1</a:t>
-            </a:r>
-            <a:r>
-              <a:rPr lang="en-US" dirty="0">
-                <a:solidFill>
-                  <a:srgbClr val="000000"/>
-                </a:solidFill>
-                <a:latin typeface="Consolas" panose="020B0609020204030204" pitchFamily="49" charset="0"/>
-              </a:rPr>
-              <a:t>]+</a:t>
-            </a:r>
-            <a:r>
-              <a:rPr lang="en-US" dirty="0" err="1">
-                <a:solidFill>
-                  <a:srgbClr val="000000"/>
-                </a:solidFill>
-                <a:latin typeface="Consolas" panose="020B0609020204030204" pitchFamily="49" charset="0"/>
-              </a:rPr>
-              <a:t>histo</a:t>
-            </a:r>
-            <a:r>
-              <a:rPr lang="en-US" dirty="0">
-                <a:solidFill>
-                  <a:srgbClr val="000000"/>
-                </a:solidFill>
-                <a:latin typeface="Consolas" panose="020B0609020204030204" pitchFamily="49" charset="0"/>
-              </a:rPr>
-              <a:t>[</a:t>
-            </a:r>
-            <a:r>
-              <a:rPr lang="en-US" dirty="0">
-                <a:solidFill>
-                  <a:srgbClr val="098658"/>
-                </a:solidFill>
-                <a:latin typeface="Consolas" panose="020B0609020204030204" pitchFamily="49" charset="0"/>
-              </a:rPr>
-              <a:t>2</a:t>
-            </a:r>
-            <a:r>
-              <a:rPr lang="en-US" dirty="0">
-                <a:solidFill>
-                  <a:srgbClr val="000000"/>
-                </a:solidFill>
-                <a:latin typeface="Consolas" panose="020B0609020204030204" pitchFamily="49" charset="0"/>
-              </a:rPr>
-              <a:t>]))</a:t>
-            </a:r>
-          </a:p>
-          <a:p>
-            <a:r>
-              <a:rPr lang="en-US" dirty="0">
-                <a:solidFill>
-                  <a:srgbClr val="000000"/>
-                </a:solidFill>
-                <a:latin typeface="Consolas" panose="020B0609020204030204" pitchFamily="49" charset="0"/>
-              </a:rPr>
-              <a:t>}</a:t>
-            </a:r>
-            <a:endParaRPr lang="en-US" b="0" dirty="0">
-              <a:solidFill>
-                <a:srgbClr val="000000"/>
-              </a:solidFill>
-              <a:effectLst/>
-              <a:latin typeface="Consolas" panose="020B0609020204030204" pitchFamily="49" charset="0"/>
-            </a:endParaRPr>
-          </a:p>
-        </p:txBody>
-      </p:sp>
     </p:spTree>
     <p:extLst>
       <p:ext uri="{BB962C8B-B14F-4D97-AF65-F5344CB8AC3E}">
-        <p14:creationId xmlns:p14="http://schemas.microsoft.com/office/powerpoint/2010/main" val="2228231503"/>
+        <p14:creationId xmlns:p14="http://schemas.microsoft.com/office/powerpoint/2010/main" val="1407021180"/>
       </p:ext>
     </p:extLst>
   </p:cSld>
@@ -8219,7 +8558,7 @@
           <p:cNvPr id="2" name="Title 1">
             <a:extLst>
               <a:ext uri="{FF2B5EF4-FFF2-40B4-BE49-F238E27FC236}">
-                <a16:creationId xmlns:a16="http://schemas.microsoft.com/office/drawing/2014/main" id="{CAFE7E14-B2B6-4EBC-9224-58432C604238}"/>
+                <a16:creationId xmlns:a16="http://schemas.microsoft.com/office/drawing/2014/main" id="{E4ECDA5C-6B97-4DCD-8F30-B25E33462F7E}"/>
               </a:ext>
             </a:extLst>
           </p:cNvPr>
@@ -8237,7 +8576,7 @@
           <a:p>
             <a:r>
               <a:rPr lang="en-US" dirty="0"/>
-              <a:t>Solution 2: Define an external iterator</a:t>
+              <a:t>The Iterator Pattern</a:t>
             </a:r>
           </a:p>
         </p:txBody>
@@ -8247,7 +8586,7 @@
           <p:cNvPr id="3" name="Content Placeholder 2">
             <a:extLst>
               <a:ext uri="{FF2B5EF4-FFF2-40B4-BE49-F238E27FC236}">
-                <a16:creationId xmlns:a16="http://schemas.microsoft.com/office/drawing/2014/main" id="{A2D3ADAA-D1CC-4E9D-9B08-EF6FDEF3F1CB}"/>
+                <a16:creationId xmlns:a16="http://schemas.microsoft.com/office/drawing/2014/main" id="{B9F0FEAD-6492-42D7-AEA6-6E0A48D0268B}"/>
               </a:ext>
             </a:extLst>
           </p:cNvPr>
@@ -8265,22 +8604,31 @@
           <a:p>
             <a:r>
               <a:rPr lang="en-US" dirty="0"/>
-              <a:t>In TypeScript, there are ways of creating iterators that integrate with things like </a:t>
-            </a:r>
-            <a:r>
-              <a:rPr lang="en-US" b="1" dirty="0"/>
-              <a:t>for</a:t>
-            </a:r>
-            <a:r>
-              <a:rPr lang="en-US" dirty="0"/>
-              <a:t>.</a:t>
-            </a:r>
-          </a:p>
-          <a:p>
-            <a:r>
-              <a:rPr lang="en-US" dirty="0"/>
-              <a:t>Alas, these are way too complicated for us to do right now.</a:t>
-            </a:r>
+              <a:t>This is all quite a bit different from what's in the </a:t>
+            </a:r>
+            <a:r>
+              <a:rPr lang="en-US" dirty="0" err="1"/>
+              <a:t>GoF</a:t>
+            </a:r>
+            <a:r>
+              <a:rPr lang="en-US" dirty="0"/>
+              <a:t> book</a:t>
+            </a:r>
+          </a:p>
+          <a:p>
+            <a:r>
+              <a:rPr lang="en-US" dirty="0"/>
+              <a:t>This illustrates how patterns are dependent on the programing language you are working in</a:t>
+            </a:r>
+          </a:p>
+          <a:p>
+            <a:r>
+              <a:rPr lang="en-US" dirty="0"/>
+              <a:t>Much of the complexity of the pattern has now been absorbed into the programming language (even in different versions of JavaScript!)</a:t>
+            </a:r>
+          </a:p>
+          <a:p>
+            <a:endParaRPr lang="en-US" dirty="0"/>
           </a:p>
         </p:txBody>
       </p:sp>
@@ -8289,7 +8637,7 @@
           <p:cNvPr id="4" name="Slide Number Placeholder 3">
             <a:extLst>
               <a:ext uri="{FF2B5EF4-FFF2-40B4-BE49-F238E27FC236}">
-                <a16:creationId xmlns:a16="http://schemas.microsoft.com/office/drawing/2014/main" id="{880EEDF2-1EF6-4171-8C2F-EAD7435CAF4D}"/>
+                <a16:creationId xmlns:a16="http://schemas.microsoft.com/office/drawing/2014/main" id="{A329D21F-0844-474E-9A0E-B5D2C3AD852B}"/>
               </a:ext>
             </a:extLst>
           </p:cNvPr>
@@ -8316,7 +8664,7 @@
     </p:spTree>
     <p:extLst>
       <p:ext uri="{BB962C8B-B14F-4D97-AF65-F5344CB8AC3E}">
-        <p14:creationId xmlns:p14="http://schemas.microsoft.com/office/powerpoint/2010/main" val="1407021180"/>
+        <p14:creationId xmlns:p14="http://schemas.microsoft.com/office/powerpoint/2010/main" val="3139459993"/>
       </p:ext>
     </p:extLst>
   </p:cSld>
@@ -8348,7 +8696,7 @@
           <p:cNvPr id="2" name="Title 1">
             <a:extLst>
               <a:ext uri="{FF2B5EF4-FFF2-40B4-BE49-F238E27FC236}">
-                <a16:creationId xmlns:a16="http://schemas.microsoft.com/office/drawing/2014/main" id="{B6D33575-0593-49FD-831F-131BB6CC7E6C}"/>
+                <a16:creationId xmlns:a16="http://schemas.microsoft.com/office/drawing/2014/main" id="{8E312E74-3D07-446C-ABEE-D417CFBF27F5}"/>
               </a:ext>
             </a:extLst>
           </p:cNvPr>
@@ -8366,17 +8714,17 @@
           <a:p>
             <a:r>
               <a:rPr lang="en-US" dirty="0"/>
-              <a:t>Learning Objectives for this Lesson</a:t>
-            </a:r>
-          </a:p>
-        </p:txBody>
-      </p:sp>
-      <p:sp>
-        <p:nvSpPr>
-          <p:cNvPr id="3" name="Text Placeholder 2">
-            <a:extLst>
-              <a:ext uri="{FF2B5EF4-FFF2-40B4-BE49-F238E27FC236}">
-                <a16:creationId xmlns:a16="http://schemas.microsoft.com/office/drawing/2014/main" id="{5B21ECCD-9823-405F-AA9A-D0CC235AD583}"/>
+              <a:t>Outline of Lessons 2.3 and 2.4</a:t>
+            </a:r>
+          </a:p>
+        </p:txBody>
+      </p:sp>
+      <p:sp>
+        <p:nvSpPr>
+          <p:cNvPr id="3" name="Content Placeholder 2">
+            <a:extLst>
+              <a:ext uri="{FF2B5EF4-FFF2-40B4-BE49-F238E27FC236}">
+                <a16:creationId xmlns:a16="http://schemas.microsoft.com/office/drawing/2014/main" id="{DC3C816F-AFD5-4056-B347-4B4D98E36CC2}"/>
               </a:ext>
             </a:extLst>
           </p:cNvPr>
@@ -8387,87 +8735,116 @@
             <p:ph idx="1"/>
           </p:nvPr>
         </p:nvSpPr>
+        <p:spPr>
+          <a:xfrm>
+            <a:off x="838200" y="1500160"/>
+            <a:ext cx="8411308" cy="4351338"/>
+          </a:xfrm>
+        </p:spPr>
+        <p:txBody>
+          <a:bodyPr>
+            <a:normAutofit lnSpcReduction="10000"/>
+          </a:bodyPr>
+          <a:lstStyle/>
+          <a:p>
+            <a:r>
+              <a:rPr lang="en-US" dirty="0"/>
+              <a:t>Introduction to patterns:</a:t>
+            </a:r>
+          </a:p>
+          <a:p>
+            <a:pPr lvl="1"/>
+            <a:r>
+              <a:rPr lang="en-US" dirty="0"/>
+              <a:t>what are they?</a:t>
+            </a:r>
+          </a:p>
+          <a:p>
+            <a:pPr lvl="1"/>
+            <a:r>
+              <a:rPr lang="en-US" dirty="0"/>
+              <a:t>what are they good for?</a:t>
+            </a:r>
+          </a:p>
+          <a:p>
+            <a:r>
+              <a:rPr lang="en-US" dirty="0"/>
+              <a:t>Review of patterns you probably know</a:t>
+            </a:r>
+          </a:p>
+          <a:p>
+            <a:pPr lvl="1"/>
+            <a:r>
+              <a:rPr lang="en-US" dirty="0"/>
+              <a:t>Adapter</a:t>
+            </a:r>
+          </a:p>
+          <a:p>
+            <a:pPr lvl="1"/>
+            <a:r>
+              <a:rPr lang="en-US" dirty="0"/>
+              <a:t>Composite</a:t>
+            </a:r>
+          </a:p>
+          <a:p>
+            <a:pPr lvl="1"/>
+            <a:r>
+              <a:rPr lang="en-US" dirty="0"/>
+              <a:t>Iterator</a:t>
+            </a:r>
+          </a:p>
+          <a:p>
+            <a:r>
+              <a:rPr lang="en-US" dirty="0"/>
+              <a:t>Some patterns you may or may not know</a:t>
+            </a:r>
+          </a:p>
+          <a:p>
+            <a:pPr lvl="1"/>
+            <a:r>
+              <a:rPr lang="en-US" dirty="0"/>
+              <a:t>Singleton</a:t>
+            </a:r>
+          </a:p>
+          <a:p>
+            <a:pPr lvl="1"/>
+            <a:r>
+              <a:rPr lang="en-US" dirty="0"/>
+              <a:t>Observer (sometimes called Listener, or Publish/Subscribe)</a:t>
+            </a:r>
+          </a:p>
+          <a:p>
+            <a:pPr lvl="1"/>
+            <a:r>
+              <a:rPr lang="en-US" dirty="0"/>
+              <a:t>Visitor</a:t>
+            </a:r>
+          </a:p>
+        </p:txBody>
+      </p:sp>
+      <p:sp>
+        <p:nvSpPr>
+          <p:cNvPr id="4" name="Slide Number Placeholder 3">
+            <a:extLst>
+              <a:ext uri="{FF2B5EF4-FFF2-40B4-BE49-F238E27FC236}">
+                <a16:creationId xmlns:a16="http://schemas.microsoft.com/office/drawing/2014/main" id="{4329C58C-463E-4BAE-BEEA-7C686673E57D}"/>
+              </a:ext>
+            </a:extLst>
+          </p:cNvPr>
+          <p:cNvSpPr>
+            <a:spLocks noGrp="1"/>
+          </p:cNvSpPr>
+          <p:nvPr>
+            <p:ph type="sldNum" sz="quarter" idx="12"/>
+          </p:nvPr>
+        </p:nvSpPr>
         <p:spPr/>
         <p:txBody>
-          <a:bodyPr>
-            <a:normAutofit/>
-          </a:bodyPr>
-          <a:lstStyle/>
-          <a:p>
-            <a:r>
-              <a:rPr lang="en-US" dirty="0"/>
-              <a:t>By the end of this lesson you should be able to:</a:t>
-            </a:r>
-          </a:p>
-          <a:p>
-            <a:pPr lvl="1"/>
-            <a:r>
-              <a:rPr lang="en-US" dirty="0"/>
-              <a:t>Define what a design pattern is and the role it plays in the Software Development process</a:t>
-            </a:r>
-          </a:p>
-          <a:p>
-            <a:pPr lvl="1"/>
-            <a:r>
-              <a:rPr lang="en-US" dirty="0"/>
-              <a:t>Explain and illustrate the following patterns</a:t>
-            </a:r>
-          </a:p>
-          <a:p>
-            <a:pPr lvl="2"/>
-            <a:r>
-              <a:rPr lang="en-US" dirty="0"/>
-              <a:t>Adapter</a:t>
-            </a:r>
-          </a:p>
-          <a:p>
-            <a:pPr lvl="2"/>
-            <a:r>
-              <a:rPr lang="en-US" dirty="0"/>
-              <a:t>Composite</a:t>
-            </a:r>
-          </a:p>
-          <a:p>
-            <a:pPr lvl="2"/>
-            <a:r>
-              <a:rPr lang="en-US" dirty="0"/>
-              <a:t>Iterator</a:t>
-            </a:r>
-          </a:p>
-          <a:p>
-            <a:pPr lvl="2"/>
-            <a:endParaRPr lang="en-US" dirty="0"/>
-          </a:p>
-          <a:p>
-            <a:pPr lvl="1"/>
-            <a:endParaRPr lang="en-US" dirty="0"/>
-          </a:p>
-        </p:txBody>
-      </p:sp>
-      <p:sp>
-        <p:nvSpPr>
-          <p:cNvPr id="5" name="Slide Number Placeholder 4">
-            <a:extLst>
-              <a:ext uri="{FF2B5EF4-FFF2-40B4-BE49-F238E27FC236}">
-                <a16:creationId xmlns:a16="http://schemas.microsoft.com/office/drawing/2014/main" id="{D3CB1048-3EB8-4281-8361-E7EB70F6FBBC}"/>
-              </a:ext>
-            </a:extLst>
-          </p:cNvPr>
-          <p:cNvSpPr>
-            <a:spLocks noGrp="1"/>
-          </p:cNvSpPr>
-          <p:nvPr>
-            <p:ph type="sldNum" sz="quarter" idx="12"/>
-          </p:nvPr>
-        </p:nvSpPr>
-        <p:spPr/>
-        <p:txBody>
           <a:bodyPr/>
           <a:lstStyle/>
           <a:p>
-            <a:fld id="{86CB4B4D-7CA3-9044-876B-883B54F8677D}" type="slidenum">
+            <a:fld id="{20F37917-FD3A-4669-9018-DA04BCDD3D75}" type="slidenum">
               <a:rPr lang="en-US" smtClean="0"/>
-              <a:pPr/>
               <a:t>2</a:t>
             </a:fld>
             <a:endParaRPr lang="en-US"/>
@@ -8477,7 +8854,7 @@
     </p:spTree>
     <p:extLst>
       <p:ext uri="{BB962C8B-B14F-4D97-AF65-F5344CB8AC3E}">
-        <p14:creationId xmlns:p14="http://schemas.microsoft.com/office/powerpoint/2010/main" val="3915051007"/>
+        <p14:creationId xmlns:p14="http://schemas.microsoft.com/office/powerpoint/2010/main" val="403255290"/>
       </p:ext>
     </p:extLst>
   </p:cSld>
@@ -8509,7 +8886,7 @@
           <p:cNvPr id="2" name="Title 1">
             <a:extLst>
               <a:ext uri="{FF2B5EF4-FFF2-40B4-BE49-F238E27FC236}">
-                <a16:creationId xmlns:a16="http://schemas.microsoft.com/office/drawing/2014/main" id="{E4ECDA5C-6B97-4DCD-8F30-B25E33462F7E}"/>
+                <a16:creationId xmlns:a16="http://schemas.microsoft.com/office/drawing/2014/main" id="{B6D33575-0593-49FD-831F-131BB6CC7E6C}"/>
               </a:ext>
             </a:extLst>
           </p:cNvPr>
@@ -8527,17 +8904,17 @@
           <a:p>
             <a:r>
               <a:rPr lang="en-US" dirty="0"/>
-              <a:t>The Iterator Pattern</a:t>
-            </a:r>
-          </a:p>
-        </p:txBody>
-      </p:sp>
-      <p:sp>
-        <p:nvSpPr>
-          <p:cNvPr id="3" name="Content Placeholder 2">
-            <a:extLst>
-              <a:ext uri="{FF2B5EF4-FFF2-40B4-BE49-F238E27FC236}">
-                <a16:creationId xmlns:a16="http://schemas.microsoft.com/office/drawing/2014/main" id="{B9F0FEAD-6492-42D7-AEA6-6E0A48D0268B}"/>
+              <a:t>Review: Learning Objectives for this Lesson</a:t>
+            </a:r>
+          </a:p>
+        </p:txBody>
+      </p:sp>
+      <p:sp>
+        <p:nvSpPr>
+          <p:cNvPr id="3" name="Text Placeholder 2">
+            <a:extLst>
+              <a:ext uri="{FF2B5EF4-FFF2-40B4-BE49-F238E27FC236}">
+                <a16:creationId xmlns:a16="http://schemas.microsoft.com/office/drawing/2014/main" id="{5B21ECCD-9823-405F-AA9A-D0CC235AD583}"/>
               </a:ext>
             </a:extLst>
           </p:cNvPr>
@@ -8555,27 +8932,42 @@
           <a:p>
             <a:r>
               <a:rPr lang="en-US" dirty="0"/>
-              <a:t>This is all quite a bit different from what's in the </a:t>
-            </a:r>
-            <a:r>
-              <a:rPr lang="en-US" dirty="0" err="1"/>
-              <a:t>GoF</a:t>
-            </a:r>
-            <a:r>
-              <a:rPr lang="en-US" dirty="0"/>
-              <a:t> book</a:t>
-            </a:r>
-          </a:p>
-          <a:p>
-            <a:r>
-              <a:rPr lang="en-US" dirty="0"/>
-              <a:t>This illustrates how patterns are dependent on the programing language you are working in</a:t>
-            </a:r>
-          </a:p>
-          <a:p>
-            <a:r>
-              <a:rPr lang="en-US" dirty="0"/>
-              <a:t>Much of the complexity of the pattern has now been absorbed into the programming language (even in different versions of JavaScript!)</a:t>
+              <a:t>At this point you should be able to:</a:t>
+            </a:r>
+          </a:p>
+          <a:p>
+            <a:pPr lvl="1"/>
+            <a:r>
+              <a:rPr lang="en-US" dirty="0"/>
+              <a:t>Define what a design pattern is and the role it plays in the Software Development process</a:t>
+            </a:r>
+          </a:p>
+          <a:p>
+            <a:pPr lvl="1"/>
+            <a:r>
+              <a:rPr lang="en-US" dirty="0"/>
+              <a:t>Explain and illustrate the following patterns</a:t>
+            </a:r>
+          </a:p>
+          <a:p>
+            <a:pPr lvl="2"/>
+            <a:r>
+              <a:rPr lang="en-US" dirty="0"/>
+              <a:t>Adapter</a:t>
+            </a:r>
+          </a:p>
+          <a:p>
+            <a:pPr lvl="2"/>
+            <a:r>
+              <a:rPr lang="en-US" dirty="0"/>
+              <a:t>Composite</a:t>
+            </a:r>
+          </a:p>
+          <a:p>
+            <a:pPr lvl="2"/>
+            <a:r>
+              <a:rPr lang="en-US" dirty="0"/>
+              <a:t>Iterator</a:t>
             </a:r>
           </a:p>
           <a:p>
@@ -8585,10 +8977,10 @@
       </p:sp>
       <p:sp>
         <p:nvSpPr>
-          <p:cNvPr id="4" name="Slide Number Placeholder 3">
-            <a:extLst>
-              <a:ext uri="{FF2B5EF4-FFF2-40B4-BE49-F238E27FC236}">
-                <a16:creationId xmlns:a16="http://schemas.microsoft.com/office/drawing/2014/main" id="{A329D21F-0844-474E-9A0E-B5D2C3AD852B}"/>
+          <p:cNvPr id="5" name="Slide Number Placeholder 4">
+            <a:extLst>
+              <a:ext uri="{FF2B5EF4-FFF2-40B4-BE49-F238E27FC236}">
+                <a16:creationId xmlns:a16="http://schemas.microsoft.com/office/drawing/2014/main" id="{D3CB1048-3EB8-4281-8361-E7EB70F6FBBC}"/>
               </a:ext>
             </a:extLst>
           </p:cNvPr>
@@ -8604,8 +8996,9 @@
           <a:bodyPr/>
           <a:lstStyle/>
           <a:p>
-            <a:fld id="{20F37917-FD3A-4669-9018-DA04BCDD3D75}" type="slidenum">
+            <a:fld id="{86CB4B4D-7CA3-9044-876B-883B54F8677D}" type="slidenum">
               <a:rPr lang="en-US" smtClean="0"/>
+              <a:pPr/>
               <a:t>20</a:t>
             </a:fld>
             <a:endParaRPr lang="en-US"/>
@@ -8615,7 +9008,7 @@
     </p:spTree>
     <p:extLst>
       <p:ext uri="{BB962C8B-B14F-4D97-AF65-F5344CB8AC3E}">
-        <p14:creationId xmlns:p14="http://schemas.microsoft.com/office/powerpoint/2010/main" val="3139459993"/>
+        <p14:creationId xmlns:p14="http://schemas.microsoft.com/office/powerpoint/2010/main" val="2643922941"/>
       </p:ext>
     </p:extLst>
   </p:cSld>
@@ -8647,160 +9040,6 @@
           <p:cNvPr id="2" name="Title 1">
             <a:extLst>
               <a:ext uri="{FF2B5EF4-FFF2-40B4-BE49-F238E27FC236}">
-                <a16:creationId xmlns:a16="http://schemas.microsoft.com/office/drawing/2014/main" id="{B6D33575-0593-49FD-831F-131BB6CC7E6C}"/>
-              </a:ext>
-            </a:extLst>
-          </p:cNvPr>
-          <p:cNvSpPr>
-            <a:spLocks noGrp="1"/>
-          </p:cNvSpPr>
-          <p:nvPr>
-            <p:ph type="title"/>
-          </p:nvPr>
-        </p:nvSpPr>
-        <p:spPr/>
-        <p:txBody>
-          <a:bodyPr/>
-          <a:lstStyle/>
-          <a:p>
-            <a:r>
-              <a:rPr lang="en-US" dirty="0"/>
-              <a:t>Review: Learning Objectives for this Lesson</a:t>
-            </a:r>
-          </a:p>
-        </p:txBody>
-      </p:sp>
-      <p:sp>
-        <p:nvSpPr>
-          <p:cNvPr id="3" name="Text Placeholder 2">
-            <a:extLst>
-              <a:ext uri="{FF2B5EF4-FFF2-40B4-BE49-F238E27FC236}">
-                <a16:creationId xmlns:a16="http://schemas.microsoft.com/office/drawing/2014/main" id="{5B21ECCD-9823-405F-AA9A-D0CC235AD583}"/>
-              </a:ext>
-            </a:extLst>
-          </p:cNvPr>
-          <p:cNvSpPr>
-            <a:spLocks noGrp="1"/>
-          </p:cNvSpPr>
-          <p:nvPr>
-            <p:ph idx="1"/>
-          </p:nvPr>
-        </p:nvSpPr>
-        <p:spPr/>
-        <p:txBody>
-          <a:bodyPr/>
-          <a:lstStyle/>
-          <a:p>
-            <a:r>
-              <a:rPr lang="en-US" dirty="0"/>
-              <a:t>At this point you should be able to:</a:t>
-            </a:r>
-          </a:p>
-          <a:p>
-            <a:pPr lvl="1"/>
-            <a:r>
-              <a:rPr lang="en-US" dirty="0"/>
-              <a:t>Define what a design pattern is and the role it plays in the Software Development process</a:t>
-            </a:r>
-          </a:p>
-          <a:p>
-            <a:pPr lvl="1"/>
-            <a:r>
-              <a:rPr lang="en-US" dirty="0"/>
-              <a:t>Explain and illustrate the following patterns</a:t>
-            </a:r>
-          </a:p>
-          <a:p>
-            <a:pPr lvl="2"/>
-            <a:r>
-              <a:rPr lang="en-US" dirty="0"/>
-              <a:t>Adapter</a:t>
-            </a:r>
-          </a:p>
-          <a:p>
-            <a:pPr lvl="2"/>
-            <a:r>
-              <a:rPr lang="en-US" dirty="0"/>
-              <a:t>Composite</a:t>
-            </a:r>
-          </a:p>
-          <a:p>
-            <a:pPr lvl="2"/>
-            <a:r>
-              <a:rPr lang="en-US" dirty="0"/>
-              <a:t>Iterator</a:t>
-            </a:r>
-          </a:p>
-          <a:p>
-            <a:endParaRPr lang="en-US" dirty="0"/>
-          </a:p>
-        </p:txBody>
-      </p:sp>
-      <p:sp>
-        <p:nvSpPr>
-          <p:cNvPr id="5" name="Slide Number Placeholder 4">
-            <a:extLst>
-              <a:ext uri="{FF2B5EF4-FFF2-40B4-BE49-F238E27FC236}">
-                <a16:creationId xmlns:a16="http://schemas.microsoft.com/office/drawing/2014/main" id="{D3CB1048-3EB8-4281-8361-E7EB70F6FBBC}"/>
-              </a:ext>
-            </a:extLst>
-          </p:cNvPr>
-          <p:cNvSpPr>
-            <a:spLocks noGrp="1"/>
-          </p:cNvSpPr>
-          <p:nvPr>
-            <p:ph type="sldNum" sz="quarter" idx="12"/>
-          </p:nvPr>
-        </p:nvSpPr>
-        <p:spPr/>
-        <p:txBody>
-          <a:bodyPr/>
-          <a:lstStyle/>
-          <a:p>
-            <a:fld id="{86CB4B4D-7CA3-9044-876B-883B54F8677D}" type="slidenum">
-              <a:rPr lang="en-US" smtClean="0"/>
-              <a:pPr/>
-              <a:t>21</a:t>
-            </a:fld>
-            <a:endParaRPr lang="en-US"/>
-          </a:p>
-        </p:txBody>
-      </p:sp>
-    </p:spTree>
-    <p:extLst>
-      <p:ext uri="{BB962C8B-B14F-4D97-AF65-F5344CB8AC3E}">
-        <p14:creationId xmlns:p14="http://schemas.microsoft.com/office/powerpoint/2010/main" val="2643922941"/>
-      </p:ext>
-    </p:extLst>
-  </p:cSld>
-  <p:clrMapOvr>
-    <a:masterClrMapping/>
-  </p:clrMapOvr>
-</p:sld>
-</file>
-
-<file path=ppt/slides/slide22.xml><?xml version="1.0" encoding="utf-8"?>
-<p:sld xmlns:a="http://schemas.openxmlformats.org/drawingml/2006/main" xmlns:r="http://schemas.openxmlformats.org/officeDocument/2006/relationships" xmlns:p="http://schemas.openxmlformats.org/presentationml/2006/main">
-  <p:cSld>
-    <p:spTree>
-      <p:nvGrpSpPr>
-        <p:cNvPr id="1" name=""/>
-        <p:cNvGrpSpPr/>
-        <p:nvPr/>
-      </p:nvGrpSpPr>
-      <p:grpSpPr>
-        <a:xfrm>
-          <a:off x="0" y="0"/>
-          <a:ext cx="0" cy="0"/>
-          <a:chOff x="0" y="0"/>
-          <a:chExt cx="0" cy="0"/>
-        </a:xfrm>
-      </p:grpSpPr>
-      <p:sp>
-        <p:nvSpPr>
-          <p:cNvPr id="2" name="Title 1">
-            <a:extLst>
-              <a:ext uri="{FF2B5EF4-FFF2-40B4-BE49-F238E27FC236}">
                 <a16:creationId xmlns:a16="http://schemas.microsoft.com/office/drawing/2014/main" id="{7EB782C9-1CF8-40AE-A725-0968E5F17117}"/>
               </a:ext>
             </a:extLst>
@@ -8909,7 +9148,7 @@
               <a:pPr defTabSz="547695">
                 <a:defRPr/>
               </a:pPr>
-              <a:t>22</a:t>
+              <a:t>21</a:t>
             </a:fld>
             <a:endParaRPr lang="en-US"/>
           </a:p>
@@ -8950,7 +9189,7 @@
           <p:cNvPr id="2" name="Title 1">
             <a:extLst>
               <a:ext uri="{FF2B5EF4-FFF2-40B4-BE49-F238E27FC236}">
-                <a16:creationId xmlns:a16="http://schemas.microsoft.com/office/drawing/2014/main" id="{8E312E74-3D07-446C-ABEE-D417CFBF27F5}"/>
+                <a16:creationId xmlns:a16="http://schemas.microsoft.com/office/drawing/2014/main" id="{B6D33575-0593-49FD-831F-131BB6CC7E6C}"/>
               </a:ext>
             </a:extLst>
           </p:cNvPr>
@@ -8968,17 +9207,17 @@
           <a:p>
             <a:r>
               <a:rPr lang="en-US" dirty="0"/>
-              <a:t>Outline of Lessons 2.3 and 2.4</a:t>
-            </a:r>
-          </a:p>
-        </p:txBody>
-      </p:sp>
-      <p:sp>
-        <p:nvSpPr>
-          <p:cNvPr id="3" name="Content Placeholder 2">
-            <a:extLst>
-              <a:ext uri="{FF2B5EF4-FFF2-40B4-BE49-F238E27FC236}">
-                <a16:creationId xmlns:a16="http://schemas.microsoft.com/office/drawing/2014/main" id="{DC3C816F-AFD5-4056-B347-4B4D98E36CC2}"/>
+              <a:t>Learning Objectives for this Lesson</a:t>
+            </a:r>
+          </a:p>
+        </p:txBody>
+      </p:sp>
+      <p:sp>
+        <p:nvSpPr>
+          <p:cNvPr id="3" name="Text Placeholder 2">
+            <a:extLst>
+              <a:ext uri="{FF2B5EF4-FFF2-40B4-BE49-F238E27FC236}">
+                <a16:creationId xmlns:a16="http://schemas.microsoft.com/office/drawing/2014/main" id="{5B21ECCD-9823-405F-AA9A-D0CC235AD583}"/>
               </a:ext>
             </a:extLst>
           </p:cNvPr>
@@ -8992,91 +9231,66 @@
         <p:spPr/>
         <p:txBody>
           <a:bodyPr>
-            <a:normAutofit lnSpcReduction="10000"/>
+            <a:normAutofit/>
           </a:bodyPr>
           <a:lstStyle/>
           <a:p>
             <a:r>
               <a:rPr lang="en-US" dirty="0"/>
-              <a:t>Introduction to patterns:</a:t>
+              <a:t>By the end of this lesson you should be able to:</a:t>
             </a:r>
           </a:p>
           <a:p>
             <a:pPr lvl="1"/>
             <a:r>
               <a:rPr lang="en-US" dirty="0"/>
-              <a:t>what are they?</a:t>
+              <a:t>Define what a design pattern is and the role it plays in the Software Development process</a:t>
             </a:r>
           </a:p>
           <a:p>
             <a:pPr lvl="1"/>
             <a:r>
               <a:rPr lang="en-US" dirty="0"/>
-              <a:t>what are they good for?</a:t>
-            </a:r>
-          </a:p>
-          <a:p>
-            <a:r>
-              <a:rPr lang="en-US" dirty="0"/>
-              <a:t>Review of patterns you probably know</a:t>
-            </a:r>
+              <a:t>Explain and illustrate the following patterns</a:t>
+            </a:r>
+          </a:p>
+          <a:p>
+            <a:pPr lvl="2"/>
+            <a:r>
+              <a:rPr lang="en-US" dirty="0"/>
+              <a:t>Adapter</a:t>
+            </a:r>
+          </a:p>
+          <a:p>
+            <a:pPr lvl="2"/>
+            <a:r>
+              <a:rPr lang="en-US" dirty="0"/>
+              <a:t>Composite</a:t>
+            </a:r>
+          </a:p>
+          <a:p>
+            <a:pPr lvl="2"/>
+            <a:r>
+              <a:rPr lang="en-US" dirty="0"/>
+              <a:t>Iterator</a:t>
+            </a:r>
+          </a:p>
+          <a:p>
+            <a:pPr lvl="2"/>
+            <a:endParaRPr lang="en-US" dirty="0"/>
           </a:p>
           <a:p>
             <a:pPr lvl="1"/>
-            <a:r>
-              <a:rPr lang="en-US" dirty="0"/>
-              <a:t>Adapter</a:t>
-            </a:r>
-          </a:p>
-          <a:p>
-            <a:pPr lvl="1"/>
-            <a:r>
-              <a:rPr lang="en-US" dirty="0"/>
-              <a:t>Composite</a:t>
-            </a:r>
-          </a:p>
-          <a:p>
-            <a:pPr lvl="1"/>
-            <a:r>
-              <a:rPr lang="en-US" dirty="0"/>
-              <a:t>Iterator</a:t>
-            </a:r>
-          </a:p>
-          <a:p>
-            <a:r>
-              <a:rPr lang="en-US" dirty="0"/>
-              <a:t>Some patterns you may or may not know</a:t>
-            </a:r>
-          </a:p>
-          <a:p>
-            <a:pPr lvl="1"/>
-            <a:r>
-              <a:rPr lang="en-US" dirty="0"/>
-              <a:t>Singleton</a:t>
-            </a:r>
-          </a:p>
-          <a:p>
-            <a:pPr lvl="1"/>
-            <a:r>
-              <a:rPr lang="en-US" dirty="0"/>
-              <a:t>Listener</a:t>
-            </a:r>
-          </a:p>
-          <a:p>
-            <a:pPr lvl="1"/>
-            <a:r>
-              <a:rPr lang="en-US" dirty="0"/>
-              <a:t>Visitor</a:t>
-            </a:r>
-          </a:p>
-        </p:txBody>
-      </p:sp>
-      <p:sp>
-        <p:nvSpPr>
-          <p:cNvPr id="4" name="Slide Number Placeholder 3">
-            <a:extLst>
-              <a:ext uri="{FF2B5EF4-FFF2-40B4-BE49-F238E27FC236}">
-                <a16:creationId xmlns:a16="http://schemas.microsoft.com/office/drawing/2014/main" id="{4329C58C-463E-4BAE-BEEA-7C686673E57D}"/>
+            <a:endParaRPr lang="en-US" dirty="0"/>
+          </a:p>
+        </p:txBody>
+      </p:sp>
+      <p:sp>
+        <p:nvSpPr>
+          <p:cNvPr id="5" name="Slide Number Placeholder 4">
+            <a:extLst>
+              <a:ext uri="{FF2B5EF4-FFF2-40B4-BE49-F238E27FC236}">
+                <a16:creationId xmlns:a16="http://schemas.microsoft.com/office/drawing/2014/main" id="{D3CB1048-3EB8-4281-8361-E7EB70F6FBBC}"/>
               </a:ext>
             </a:extLst>
           </p:cNvPr>
@@ -9092,8 +9306,9 @@
           <a:bodyPr/>
           <a:lstStyle/>
           <a:p>
-            <a:fld id="{20F37917-FD3A-4669-9018-DA04BCDD3D75}" type="slidenum">
+            <a:fld id="{86CB4B4D-7CA3-9044-876B-883B54F8677D}" type="slidenum">
               <a:rPr lang="en-US" smtClean="0"/>
+              <a:pPr/>
               <a:t>3</a:t>
             </a:fld>
             <a:endParaRPr lang="en-US"/>
@@ -9103,7 +9318,7 @@
     </p:spTree>
     <p:extLst>
       <p:ext uri="{BB962C8B-B14F-4D97-AF65-F5344CB8AC3E}">
-        <p14:creationId xmlns:p14="http://schemas.microsoft.com/office/powerpoint/2010/main" val="403255290"/>
+        <p14:creationId xmlns:p14="http://schemas.microsoft.com/office/powerpoint/2010/main" val="3915051007"/>
       </p:ext>
     </p:extLst>
   </p:cSld>
@@ -9524,7 +9739,7 @@
             </a:r>
             <a:r>
               <a:rPr lang="en-US" dirty="0"/>
-              <a:t>" by Christopher Alexander</a:t>
+              <a:t>" by Christopher Alexander (1977)</a:t>
             </a:r>
           </a:p>
           <a:p>
@@ -10262,7 +10477,7 @@
                                       <p:cBhvr>
                                         <p:cTn id="6" dur="1" fill="hold">
                                           <p:stCondLst>
-                                            <p:cond delay="999"/>
+                                            <p:cond delay="9"/>
                                           </p:stCondLst>
                                         </p:cTn>
                                         <p:tgtEl>
